--- a/documents/Presentation.pptx
+++ b/documents/Presentation.pptx
@@ -4631,6 +4631,9 @@
   <p:clrMapOvr>
     <a:overrideClrMapping bg1="dk1" tx1="lt1" bg2="dk2" tx2="lt2" accent1="accent1" accent2="accent2" accent3="accent3" accent4="accent4" accent5="accent5" accent6="accent6" hlink="hlink" folHlink="folHlink"/>
   </p:clrMapOvr>
+  <p:transition spd="med">
+    <p:pull/>
+  </p:transition>
 </p:sld>
 </file>
 
@@ -4738,6 +4741,9 @@
   <p:clrMapOvr>
     <a:masterClrMapping/>
   </p:clrMapOvr>
+  <p:transition spd="med">
+    <p:pull/>
+  </p:transition>
 </p:sld>
 </file>
 
@@ -4833,12 +4839,6 @@
           <a:p>
             <a:r>
               <a:rPr lang="en-US" sz="2000" dirty="0"/>
-              <a:t>Stress caused by the pandemic, mentally &amp; economically.</a:t>
-            </a:r>
-          </a:p>
-          <a:p>
-            <a:r>
-              <a:rPr lang="en-US" sz="2000" dirty="0"/>
               <a:t>Restrictions placed by the waves of the pandemic.</a:t>
             </a:r>
           </a:p>
@@ -4875,6 +4875,9 @@
   <p:clrMapOvr>
     <a:masterClrMapping/>
   </p:clrMapOvr>
+  <p:transition spd="med">
+    <p:pull/>
+  </p:transition>
 </p:sld>
 </file>
 
@@ -4948,21 +4951,13 @@
           <a:p>
             <a:r>
               <a:rPr lang="en-US" sz="2000" dirty="0"/>
-              <a:t>1 in every 6 adults have experienced a common mental disorder.</a:t>
+              <a:t>Very prominent.</a:t>
             </a:r>
           </a:p>
           <a:p>
             <a:r>
               <a:rPr lang="en-US" sz="2000" dirty="0"/>
-              <a:t>Especially </a:t>
-            </a:r>
-            <a:r>
-              <a:rPr lang="en-US" sz="2000"/>
-              <a:t>in developing </a:t>
-            </a:r>
-            <a:r>
-              <a:rPr lang="en-US" sz="2000" dirty="0"/>
-              <a:t>countries, mental care for children is non-existent.</a:t>
+              <a:t>Especially in developing countries, mental care for children is non-existent.</a:t>
             </a:r>
           </a:p>
           <a:p>
@@ -5013,6 +5008,9 @@
   <p:clrMapOvr>
     <a:masterClrMapping/>
   </p:clrMapOvr>
+  <p:transition spd="med">
+    <p:pull/>
+  </p:transition>
 </p:sld>
 </file>
 
@@ -5152,6 +5150,9 @@
   <p:clrMapOvr>
     <a:masterClrMapping/>
   </p:clrMapOvr>
+  <p:transition spd="med">
+    <p:pull/>
+  </p:transition>
 </p:sld>
 </file>
 
@@ -5270,6 +5271,9 @@
   <p:clrMapOvr>
     <a:masterClrMapping/>
   </p:clrMapOvr>
+  <p:transition spd="med">
+    <p:pull/>
+  </p:transition>
 </p:sld>
 </file>
 
@@ -5379,6 +5383,9 @@
   <p:clrMapOvr>
     <a:masterClrMapping/>
   </p:clrMapOvr>
+  <p:transition spd="med">
+    <p:pull/>
+  </p:transition>
 </p:sld>
 </file>
 
@@ -5437,6 +5444,9 @@
   <p:clrMapOvr>
     <a:masterClrMapping/>
   </p:clrMapOvr>
+  <p:transition spd="med">
+    <p:pull/>
+  </p:transition>
 </p:sld>
 </file>
 
@@ -5760,24 +5770,6 @@
 </file>
 
 <file path=customXml/item1.xml><?xml version="1.0" encoding="utf-8"?>
-<p:properties xmlns:p="http://schemas.microsoft.com/office/2006/metadata/properties" xmlns:xsi="http://www.w3.org/2001/XMLSchema-instance" xmlns:pc="http://schemas.microsoft.com/office/infopath/2007/PartnerControls">
-  <documentManagement>
-    <Status xmlns="71af3243-3dd4-4a8d-8c0d-dd76da1f02a5">Not started</Status>
-    <MediaServiceKeyPoints xmlns="71af3243-3dd4-4a8d-8c0d-dd76da1f02a5" xsi:nil="true"/>
-  </documentManagement>
-</p:properties>
-</file>
-
-<file path=customXml/item2.xml><?xml version="1.0" encoding="utf-8"?>
-<?mso-contentType ?>
-<FormTemplates xmlns="http://schemas.microsoft.com/sharepoint/v3/contenttype/forms">
-  <Display>DocumentLibraryForm</Display>
-  <Edit>DocumentLibraryForm</Edit>
-  <New>DocumentLibraryForm</New>
-</FormTemplates>
-</file>
-
-<file path=customXml/item3.xml><?xml version="1.0" encoding="utf-8"?>
 <ct:contentTypeSchema xmlns:ct="http://schemas.microsoft.com/office/2006/metadata/contentType" xmlns:ma="http://schemas.microsoft.com/office/2006/metadata/properties/metaAttributes" ct:_="" ma:_="" ma:contentTypeName="Document" ma:contentTypeID="0x01010079F111ED35F8CC479449609E8A0923A6" ma:contentTypeVersion="12" ma:contentTypeDescription="Create a new document." ma:contentTypeScope="" ma:versionID="a410dd7f93c95333ffa1b60ed6adedd1">
   <xsd:schema xmlns:xsd="http://www.w3.org/2001/XMLSchema" xmlns:xs="http://www.w3.org/2001/XMLSchema" xmlns:p="http://schemas.microsoft.com/office/2006/metadata/properties" xmlns:ns2="71af3243-3dd4-4a8d-8c0d-dd76da1f02a5" xmlns:ns3="16c05727-aa75-4e4a-9b5f-8a80a1165891" targetNamespace="http://schemas.microsoft.com/office/2006/metadata/properties" ma:root="true" ma:fieldsID="a936d9baba76aa3866493feff160faab" ns2:_="" ns3:_="">
     <xsd:import namespace="71af3243-3dd4-4a8d-8c0d-dd76da1f02a5"/>
@@ -5998,25 +5990,25 @@
 </ct:contentTypeSchema>
 </file>
 
-<file path=customXml/itemProps1.xml><?xml version="1.0" encoding="utf-8"?>
-<ds:datastoreItem xmlns:ds="http://schemas.openxmlformats.org/officeDocument/2006/customXml" ds:itemID="{B975FBC4-9D33-46BE-911D-419763BA9AF9}">
-  <ds:schemaRefs>
-    <ds:schemaRef ds:uri="http://schemas.microsoft.com/office/2006/metadata/properties"/>
-    <ds:schemaRef ds:uri="http://schemas.microsoft.com/office/infopath/2007/PartnerControls"/>
-    <ds:schemaRef ds:uri="71af3243-3dd4-4a8d-8c0d-dd76da1f02a5"/>
-  </ds:schemaRefs>
-</ds:datastoreItem>
+<file path=customXml/item2.xml><?xml version="1.0" encoding="utf-8"?>
+<?mso-contentType ?>
+<FormTemplates xmlns="http://schemas.microsoft.com/sharepoint/v3/contenttype/forms">
+  <Display>DocumentLibraryForm</Display>
+  <Edit>DocumentLibraryForm</Edit>
+  <New>DocumentLibraryForm</New>
+</FormTemplates>
 </file>
 
-<file path=customXml/itemProps2.xml><?xml version="1.0" encoding="utf-8"?>
-<ds:datastoreItem xmlns:ds="http://schemas.openxmlformats.org/officeDocument/2006/customXml" ds:itemID="{294F055B-D391-44D3-A87A-BCD07BD5A31C}">
-  <ds:schemaRefs>
-    <ds:schemaRef ds:uri="http://schemas.microsoft.com/sharepoint/v3/contenttype/forms"/>
-  </ds:schemaRefs>
-</ds:datastoreItem>
+<file path=customXml/item3.xml><?xml version="1.0" encoding="utf-8"?>
+<p:properties xmlns:p="http://schemas.microsoft.com/office/2006/metadata/properties" xmlns:xsi="http://www.w3.org/2001/XMLSchema-instance" xmlns:pc="http://schemas.microsoft.com/office/infopath/2007/PartnerControls">
+  <documentManagement>
+    <Status xmlns="71af3243-3dd4-4a8d-8c0d-dd76da1f02a5">Not started</Status>
+    <MediaServiceKeyPoints xmlns="71af3243-3dd4-4a8d-8c0d-dd76da1f02a5" xsi:nil="true"/>
+  </documentManagement>
+</p:properties>
 </file>
 
-<file path=customXml/itemProps3.xml><?xml version="1.0" encoding="utf-8"?>
+<file path=customXml/itemProps1.xml><?xml version="1.0" encoding="utf-8"?>
 <ds:datastoreItem xmlns:ds="http://schemas.openxmlformats.org/officeDocument/2006/customXml" ds:itemID="{26DBD101-FC0A-4B21-82B0-57CAA7AEEC71}">
   <ds:schemaRefs>
     <ds:schemaRef ds:uri="http://schemas.microsoft.com/office/2006/metadata/contentType"/>
@@ -6033,4 +6025,22 @@
     <ds:schemaRef ds:uri="http://schemas.microsoft.com/internal/obd"/>
   </ds:schemaRefs>
 </ds:datastoreItem>
+</file>
+
+<file path=customXml/itemProps2.xml><?xml version="1.0" encoding="utf-8"?>
+<ds:datastoreItem xmlns:ds="http://schemas.openxmlformats.org/officeDocument/2006/customXml" ds:itemID="{294F055B-D391-44D3-A87A-BCD07BD5A31C}">
+  <ds:schemaRefs>
+    <ds:schemaRef ds:uri="http://schemas.microsoft.com/sharepoint/v3/contenttype/forms"/>
+  </ds:schemaRefs>
+</ds:datastoreItem>
+</file>
+
+<file path=customXml/itemProps3.xml><?xml version="1.0" encoding="utf-8"?>
+<ds:datastoreItem xmlns:ds="http://schemas.openxmlformats.org/officeDocument/2006/customXml" ds:itemID="{B975FBC4-9D33-46BE-911D-419763BA9AF9}">
+  <ds:schemaRefs>
+    <ds:schemaRef ds:uri="http://schemas.microsoft.com/office/2006/metadata/properties"/>
+    <ds:schemaRef ds:uri="http://schemas.microsoft.com/office/infopath/2007/PartnerControls"/>
+    <ds:schemaRef ds:uri="71af3243-3dd4-4a8d-8c0d-dd76da1f02a5"/>
+  </ds:schemaRefs>
+</ds:datastoreItem>
 </file>
--- a/documents/Presentation.pptx
+++ b/documents/Presentation.pptx
@@ -4815,7 +4815,7 @@
           <a:p>
             <a:r>
               <a:rPr lang="en-US" sz="2000" dirty="0"/>
-              <a:t>Proliferating cases of mental health.</a:t>
+              <a:t>Proliferating cases of mental disorder.</a:t>
             </a:r>
           </a:p>
           <a:p>
@@ -5770,6 +5770,24 @@
 </file>
 
 <file path=customXml/item1.xml><?xml version="1.0" encoding="utf-8"?>
+<p:properties xmlns:p="http://schemas.microsoft.com/office/2006/metadata/properties" xmlns:xsi="http://www.w3.org/2001/XMLSchema-instance" xmlns:pc="http://schemas.microsoft.com/office/infopath/2007/PartnerControls">
+  <documentManagement>
+    <Status xmlns="71af3243-3dd4-4a8d-8c0d-dd76da1f02a5">Not started</Status>
+    <MediaServiceKeyPoints xmlns="71af3243-3dd4-4a8d-8c0d-dd76da1f02a5" xsi:nil="true"/>
+  </documentManagement>
+</p:properties>
+</file>
+
+<file path=customXml/item2.xml><?xml version="1.0" encoding="utf-8"?>
+<?mso-contentType ?>
+<FormTemplates xmlns="http://schemas.microsoft.com/sharepoint/v3/contenttype/forms">
+  <Display>DocumentLibraryForm</Display>
+  <Edit>DocumentLibraryForm</Edit>
+  <New>DocumentLibraryForm</New>
+</FormTemplates>
+</file>
+
+<file path=customXml/item3.xml><?xml version="1.0" encoding="utf-8"?>
 <ct:contentTypeSchema xmlns:ct="http://schemas.microsoft.com/office/2006/metadata/contentType" xmlns:ma="http://schemas.microsoft.com/office/2006/metadata/properties/metaAttributes" ct:_="" ma:_="" ma:contentTypeName="Document" ma:contentTypeID="0x01010079F111ED35F8CC479449609E8A0923A6" ma:contentTypeVersion="12" ma:contentTypeDescription="Create a new document." ma:contentTypeScope="" ma:versionID="a410dd7f93c95333ffa1b60ed6adedd1">
   <xsd:schema xmlns:xsd="http://www.w3.org/2001/XMLSchema" xmlns:xs="http://www.w3.org/2001/XMLSchema" xmlns:p="http://schemas.microsoft.com/office/2006/metadata/properties" xmlns:ns2="71af3243-3dd4-4a8d-8c0d-dd76da1f02a5" xmlns:ns3="16c05727-aa75-4e4a-9b5f-8a80a1165891" targetNamespace="http://schemas.microsoft.com/office/2006/metadata/properties" ma:root="true" ma:fieldsID="a936d9baba76aa3866493feff160faab" ns2:_="" ns3:_="">
     <xsd:import namespace="71af3243-3dd4-4a8d-8c0d-dd76da1f02a5"/>
@@ -5990,25 +6008,25 @@
 </ct:contentTypeSchema>
 </file>
 
-<file path=customXml/item2.xml><?xml version="1.0" encoding="utf-8"?>
-<?mso-contentType ?>
-<FormTemplates xmlns="http://schemas.microsoft.com/sharepoint/v3/contenttype/forms">
-  <Display>DocumentLibraryForm</Display>
-  <Edit>DocumentLibraryForm</Edit>
-  <New>DocumentLibraryForm</New>
-</FormTemplates>
+<file path=customXml/itemProps1.xml><?xml version="1.0" encoding="utf-8"?>
+<ds:datastoreItem xmlns:ds="http://schemas.openxmlformats.org/officeDocument/2006/customXml" ds:itemID="{B975FBC4-9D33-46BE-911D-419763BA9AF9}">
+  <ds:schemaRefs>
+    <ds:schemaRef ds:uri="http://schemas.microsoft.com/office/2006/metadata/properties"/>
+    <ds:schemaRef ds:uri="http://schemas.microsoft.com/office/infopath/2007/PartnerControls"/>
+    <ds:schemaRef ds:uri="71af3243-3dd4-4a8d-8c0d-dd76da1f02a5"/>
+  </ds:schemaRefs>
+</ds:datastoreItem>
 </file>
 
-<file path=customXml/item3.xml><?xml version="1.0" encoding="utf-8"?>
-<p:properties xmlns:p="http://schemas.microsoft.com/office/2006/metadata/properties" xmlns:xsi="http://www.w3.org/2001/XMLSchema-instance" xmlns:pc="http://schemas.microsoft.com/office/infopath/2007/PartnerControls">
-  <documentManagement>
-    <Status xmlns="71af3243-3dd4-4a8d-8c0d-dd76da1f02a5">Not started</Status>
-    <MediaServiceKeyPoints xmlns="71af3243-3dd4-4a8d-8c0d-dd76da1f02a5" xsi:nil="true"/>
-  </documentManagement>
-</p:properties>
+<file path=customXml/itemProps2.xml><?xml version="1.0" encoding="utf-8"?>
+<ds:datastoreItem xmlns:ds="http://schemas.openxmlformats.org/officeDocument/2006/customXml" ds:itemID="{294F055B-D391-44D3-A87A-BCD07BD5A31C}">
+  <ds:schemaRefs>
+    <ds:schemaRef ds:uri="http://schemas.microsoft.com/sharepoint/v3/contenttype/forms"/>
+  </ds:schemaRefs>
+</ds:datastoreItem>
 </file>
 
-<file path=customXml/itemProps1.xml><?xml version="1.0" encoding="utf-8"?>
+<file path=customXml/itemProps3.xml><?xml version="1.0" encoding="utf-8"?>
 <ds:datastoreItem xmlns:ds="http://schemas.openxmlformats.org/officeDocument/2006/customXml" ds:itemID="{26DBD101-FC0A-4B21-82B0-57CAA7AEEC71}">
   <ds:schemaRefs>
     <ds:schemaRef ds:uri="http://schemas.microsoft.com/office/2006/metadata/contentType"/>
@@ -6025,22 +6043,4 @@
     <ds:schemaRef ds:uri="http://schemas.microsoft.com/internal/obd"/>
   </ds:schemaRefs>
 </ds:datastoreItem>
-</file>
-
-<file path=customXml/itemProps2.xml><?xml version="1.0" encoding="utf-8"?>
-<ds:datastoreItem xmlns:ds="http://schemas.openxmlformats.org/officeDocument/2006/customXml" ds:itemID="{294F055B-D391-44D3-A87A-BCD07BD5A31C}">
-  <ds:schemaRefs>
-    <ds:schemaRef ds:uri="http://schemas.microsoft.com/sharepoint/v3/contenttype/forms"/>
-  </ds:schemaRefs>
-</ds:datastoreItem>
-</file>
-
-<file path=customXml/itemProps3.xml><?xml version="1.0" encoding="utf-8"?>
-<ds:datastoreItem xmlns:ds="http://schemas.openxmlformats.org/officeDocument/2006/customXml" ds:itemID="{B975FBC4-9D33-46BE-911D-419763BA9AF9}">
-  <ds:schemaRefs>
-    <ds:schemaRef ds:uri="http://schemas.microsoft.com/office/2006/metadata/properties"/>
-    <ds:schemaRef ds:uri="http://schemas.microsoft.com/office/infopath/2007/PartnerControls"/>
-    <ds:schemaRef ds:uri="71af3243-3dd4-4a8d-8c0d-dd76da1f02a5"/>
-  </ds:schemaRefs>
-</ds:datastoreItem>
 </file>
--- a/documents/Presentation.pptx
+++ b/documents/Presentation.pptx
@@ -12,7 +12,8 @@
     <p:sldId id="299" r:id="rId9"/>
     <p:sldId id="300" r:id="rId10"/>
     <p:sldId id="301" r:id="rId11"/>
-    <p:sldId id="302" r:id="rId12"/>
+    <p:sldId id="303" r:id="rId12"/>
+    <p:sldId id="304" r:id="rId13"/>
   </p:sldIdLst>
   <p:sldSz cx="12192000" cy="6858000"/>
   <p:notesSz cx="6858000" cy="9144000"/>
@@ -113,7 +114,7 @@
   </p:defaultTextStyle>
   <p:extLst>
     <p:ext uri="{EFAFB233-063F-42B5-8137-9DF3F51BA10A}">
-      <p15:sldGuideLst xmlns:p15="http://schemas.microsoft.com/office/powerpoint/2012/main"/>
+      <p15:sldGuideLst xmlns:p15="http://schemas.microsoft.com/office/powerpoint/2012/main" xmlns=""/>
     </p:ext>
   </p:extLst>
 </p:presentation>
@@ -141,7 +142,7 @@
           <p:cNvPr id="5" name="Rectangle 4">
             <a:extLst>
               <a:ext uri="{FF2B5EF4-FFF2-40B4-BE49-F238E27FC236}">
-                <a16:creationId xmlns:a16="http://schemas.microsoft.com/office/drawing/2014/main" id="{904DB13E-F722-4ED6-BB00-556651E95281}"/>
+                <a16:creationId xmlns:a16="http://schemas.microsoft.com/office/drawing/2014/main" xmlns="" id="{904DB13E-F722-4ED6-BB00-556651E95281}"/>
               </a:ext>
             </a:extLst>
           </p:cNvPr>
@@ -290,7 +291,7 @@
           <p:cNvPr id="7" name="Group 6">
             <a:extLst>
               <a:ext uri="{FF2B5EF4-FFF2-40B4-BE49-F238E27FC236}">
-                <a16:creationId xmlns:a16="http://schemas.microsoft.com/office/drawing/2014/main" id="{E26428D7-C6F3-473D-A360-A3F5C3E8728C}"/>
+                <a16:creationId xmlns:a16="http://schemas.microsoft.com/office/drawing/2014/main" xmlns="" id="{E26428D7-C6F3-473D-A360-A3F5C3E8728C}"/>
               </a:ext>
             </a:extLst>
           </p:cNvPr>
@@ -588,6 +589,7 @@
           <a:p>
             <a:fld id="{EA0C0817-A112-4847-8014-A94B7D2A4EA3}" type="datetime1">
               <a:rPr lang="en-US" smtClean="0"/>
+              <a:pPr/>
               <a:t>5/28/2021</a:t>
             </a:fld>
             <a:endParaRPr lang="en-US" dirty="0"/>
@@ -662,6 +664,7 @@
           <a:p>
             <a:fld id="{34B7E4EF-A1BD-40F4-AB7B-04F084DD991D}" type="slidenum">
               <a:rPr lang="en-US" smtClean="0"/>
+              <a:pPr/>
               <a:t>‹#›</a:t>
             </a:fld>
             <a:endParaRPr lang="en-US" dirty="0"/>
@@ -671,7 +674,7 @@
     </p:spTree>
     <p:extLst>
       <p:ext uri="{BB962C8B-B14F-4D97-AF65-F5344CB8AC3E}">
-        <p14:creationId xmlns:p14="http://schemas.microsoft.com/office/powerpoint/2010/main" val="2471344430"/>
+        <p14:creationId xmlns:p14="http://schemas.microsoft.com/office/powerpoint/2010/main" xmlns="" val="2471344430"/>
       </p:ext>
     </p:extLst>
   </p:cSld>
@@ -790,6 +793,7 @@
           <a:p>
             <a:fld id="{134F40B7-36AB-4376-BE14-EF7004D79BB9}" type="datetime1">
               <a:rPr lang="en-US" smtClean="0"/>
+              <a:pPr/>
               <a:t>5/28/2021</a:t>
             </a:fld>
             <a:endParaRPr lang="en-US" dirty="0"/>
@@ -832,6 +836,7 @@
           <a:p>
             <a:fld id="{34B7E4EF-A1BD-40F4-AB7B-04F084DD991D}" type="slidenum">
               <a:rPr lang="en-US" smtClean="0"/>
+              <a:pPr/>
               <a:t>‹#›</a:t>
             </a:fld>
             <a:endParaRPr lang="en-US" dirty="0"/>
@@ -841,7 +846,7 @@
     </p:spTree>
     <p:extLst>
       <p:ext uri="{BB962C8B-B14F-4D97-AF65-F5344CB8AC3E}">
-        <p14:creationId xmlns:p14="http://schemas.microsoft.com/office/powerpoint/2010/main" val="1203008541"/>
+        <p14:creationId xmlns:p14="http://schemas.microsoft.com/office/powerpoint/2010/main" xmlns="" val="1203008541"/>
       </p:ext>
     </p:extLst>
   </p:cSld>
@@ -970,6 +975,7 @@
           <a:p>
             <a:fld id="{FF87CAB8-DCAE-46A5-AADA-B3FAD11A54E0}" type="datetime1">
               <a:rPr lang="en-US" smtClean="0"/>
+              <a:pPr/>
               <a:t>5/28/2021</a:t>
             </a:fld>
             <a:endParaRPr lang="en-US" dirty="0"/>
@@ -1012,6 +1018,7 @@
           <a:p>
             <a:fld id="{34B7E4EF-A1BD-40F4-AB7B-04F084DD991D}" type="slidenum">
               <a:rPr lang="en-US" smtClean="0"/>
+              <a:pPr/>
               <a:t>‹#›</a:t>
             </a:fld>
             <a:endParaRPr lang="en-US" dirty="0"/>
@@ -1021,7 +1028,7 @@
     </p:spTree>
     <p:extLst>
       <p:ext uri="{BB962C8B-B14F-4D97-AF65-F5344CB8AC3E}">
-        <p14:creationId xmlns:p14="http://schemas.microsoft.com/office/powerpoint/2010/main" val="2899999987"/>
+        <p14:creationId xmlns:p14="http://schemas.microsoft.com/office/powerpoint/2010/main" xmlns="" val="2899999987"/>
       </p:ext>
     </p:extLst>
   </p:cSld>
@@ -1140,6 +1147,7 @@
           <a:p>
             <a:fld id="{7332B432-ACDA-4023-A761-2BAB76577B62}" type="datetime1">
               <a:rPr lang="en-US" smtClean="0"/>
+              <a:pPr/>
               <a:t>5/28/2021</a:t>
             </a:fld>
             <a:endParaRPr lang="en-US" dirty="0"/>
@@ -1182,6 +1190,7 @@
           <a:p>
             <a:fld id="{34B7E4EF-A1BD-40F4-AB7B-04F084DD991D}" type="slidenum">
               <a:rPr lang="en-US" smtClean="0"/>
+              <a:pPr/>
               <a:t>‹#›</a:t>
             </a:fld>
             <a:endParaRPr lang="en-US" dirty="0"/>
@@ -1191,7 +1200,7 @@
     </p:spTree>
     <p:extLst>
       <p:ext uri="{BB962C8B-B14F-4D97-AF65-F5344CB8AC3E}">
-        <p14:creationId xmlns:p14="http://schemas.microsoft.com/office/powerpoint/2010/main" val="3280400289"/>
+        <p14:creationId xmlns:p14="http://schemas.microsoft.com/office/powerpoint/2010/main" xmlns="" val="3280400289"/>
       </p:ext>
     </p:extLst>
   </p:cSld>
@@ -1223,7 +1232,7 @@
           <p:cNvPr id="15" name="Rectangle 14">
             <a:extLst>
               <a:ext uri="{FF2B5EF4-FFF2-40B4-BE49-F238E27FC236}">
-                <a16:creationId xmlns:a16="http://schemas.microsoft.com/office/drawing/2014/main" id="{0A4A1889-E37C-4EC3-9E41-9DAD221CF389}"/>
+                <a16:creationId xmlns:a16="http://schemas.microsoft.com/office/drawing/2014/main" xmlns="" id="{0A4A1889-E37C-4EC3-9E41-9DAD221CF389}"/>
               </a:ext>
             </a:extLst>
           </p:cNvPr>
@@ -1420,7 +1429,7 @@
           <p:cNvPr id="16" name="Group 15">
             <a:extLst>
               <a:ext uri="{FF2B5EF4-FFF2-40B4-BE49-F238E27FC236}">
-                <a16:creationId xmlns:a16="http://schemas.microsoft.com/office/drawing/2014/main" id="{1683EB04-C23E-490C-A1A6-030CF79D23C8}"/>
+                <a16:creationId xmlns:a16="http://schemas.microsoft.com/office/drawing/2014/main" xmlns="" id="{1683EB04-C23E-490C-A1A6-030CF79D23C8}"/>
               </a:ext>
             </a:extLst>
           </p:cNvPr>
@@ -1440,7 +1449,7 @@
             <p:cNvPr id="17" name="Straight Connector 16">
               <a:extLst>
                 <a:ext uri="{FF2B5EF4-FFF2-40B4-BE49-F238E27FC236}">
-                  <a16:creationId xmlns:a16="http://schemas.microsoft.com/office/drawing/2014/main" id="{F8A84C03-E1CA-4A4E-81D6-9BB0C335B7A0}"/>
+                  <a16:creationId xmlns:a16="http://schemas.microsoft.com/office/drawing/2014/main" xmlns="" id="{F8A84C03-E1CA-4A4E-81D6-9BB0C335B7A0}"/>
                 </a:ext>
               </a:extLst>
             </p:cNvPr>
@@ -1488,7 +1497,7 @@
             <p:cNvPr id="18" name="Straight Connector 17">
               <a:extLst>
                 <a:ext uri="{FF2B5EF4-FFF2-40B4-BE49-F238E27FC236}">
-                  <a16:creationId xmlns:a16="http://schemas.microsoft.com/office/drawing/2014/main" id="{4A26FB5A-D5D1-4DAB-AC43-7F51A7F2D197}"/>
+                  <a16:creationId xmlns:a16="http://schemas.microsoft.com/office/drawing/2014/main" xmlns="" id="{4A26FB5A-D5D1-4DAB-AC43-7F51A7F2D197}"/>
                 </a:ext>
               </a:extLst>
             </p:cNvPr>
@@ -1536,7 +1545,7 @@
             <p:cNvPr id="19" name="Straight Connector 18">
               <a:extLst>
                 <a:ext uri="{FF2B5EF4-FFF2-40B4-BE49-F238E27FC236}">
-                  <a16:creationId xmlns:a16="http://schemas.microsoft.com/office/drawing/2014/main" id="{49303F14-E560-4C02-94F4-B4695FE26813}"/>
+                  <a16:creationId xmlns:a16="http://schemas.microsoft.com/office/drawing/2014/main" xmlns="" id="{49303F14-E560-4C02-94F4-B4695FE26813}"/>
                 </a:ext>
               </a:extLst>
             </p:cNvPr>
@@ -1739,6 +1748,7 @@
           <a:p>
             <a:fld id="{D9C646AA-F36E-4540-911D-FFFC0A0EF24A}" type="datetime1">
               <a:rPr lang="en-US" smtClean="0"/>
+              <a:pPr/>
               <a:t>5/28/2021</a:t>
             </a:fld>
             <a:endParaRPr lang="en-US" dirty="0"/>
@@ -1813,6 +1823,7 @@
           <a:p>
             <a:fld id="{34B7E4EF-A1BD-40F4-AB7B-04F084DD991D}" type="slidenum">
               <a:rPr lang="en-US" smtClean="0"/>
+              <a:pPr/>
               <a:t>‹#›</a:t>
             </a:fld>
             <a:endParaRPr lang="en-US" dirty="0"/>
@@ -1822,7 +1833,7 @@
     </p:spTree>
     <p:extLst>
       <p:ext uri="{BB962C8B-B14F-4D97-AF65-F5344CB8AC3E}">
-        <p14:creationId xmlns:p14="http://schemas.microsoft.com/office/powerpoint/2010/main" val="3157960259"/>
+        <p14:creationId xmlns:p14="http://schemas.microsoft.com/office/powerpoint/2010/main" xmlns="" val="3157960259"/>
       </p:ext>
     </p:extLst>
   </p:cSld>
@@ -2059,6 +2070,7 @@
           <a:p>
             <a:fld id="{69186D26-FA5F-4637-B602-B7C2DC34CFD4}" type="datetime1">
               <a:rPr lang="en-US" smtClean="0"/>
+              <a:pPr/>
               <a:t>5/28/2021</a:t>
             </a:fld>
             <a:endParaRPr lang="en-US" dirty="0"/>
@@ -2101,6 +2113,7 @@
           <a:p>
             <a:fld id="{34B7E4EF-A1BD-40F4-AB7B-04F084DD991D}" type="slidenum">
               <a:rPr lang="en-US" smtClean="0"/>
+              <a:pPr/>
               <a:t>‹#›</a:t>
             </a:fld>
             <a:endParaRPr lang="en-US" dirty="0"/>
@@ -2110,7 +2123,7 @@
     </p:spTree>
     <p:extLst>
       <p:ext uri="{BB962C8B-B14F-4D97-AF65-F5344CB8AC3E}">
-        <p14:creationId xmlns:p14="http://schemas.microsoft.com/office/powerpoint/2010/main" val="1819987573"/>
+        <p14:creationId xmlns:p14="http://schemas.microsoft.com/office/powerpoint/2010/main" xmlns="" val="1819987573"/>
       </p:ext>
     </p:extLst>
   </p:cSld>
@@ -2496,6 +2509,7 @@
           <a:p>
             <a:fld id="{8A7F15D8-96D1-4781-BC50-CA8A088B2FE4}" type="datetime1">
               <a:rPr lang="en-US" smtClean="0"/>
+              <a:pPr/>
               <a:t>5/28/2021</a:t>
             </a:fld>
             <a:endParaRPr lang="en-US" dirty="0"/>
@@ -2538,6 +2552,7 @@
           <a:p>
             <a:fld id="{34B7E4EF-A1BD-40F4-AB7B-04F084DD991D}" type="slidenum">
               <a:rPr lang="en-US" smtClean="0"/>
+              <a:pPr/>
               <a:t>‹#›</a:t>
             </a:fld>
             <a:endParaRPr lang="en-US" dirty="0"/>
@@ -2547,7 +2562,7 @@
     </p:spTree>
     <p:extLst>
       <p:ext uri="{BB962C8B-B14F-4D97-AF65-F5344CB8AC3E}">
-        <p14:creationId xmlns:p14="http://schemas.microsoft.com/office/powerpoint/2010/main" val="2537686888"/>
+        <p14:creationId xmlns:p14="http://schemas.microsoft.com/office/powerpoint/2010/main" xmlns="" val="2537686888"/>
       </p:ext>
     </p:extLst>
   </p:cSld>
@@ -2614,6 +2629,7 @@
           <a:p>
             <a:fld id="{F9A96C99-B8F8-4528-BD05-0E16E943DC09}" type="datetime1">
               <a:rPr lang="en-US" smtClean="0"/>
+              <a:pPr/>
               <a:t>5/28/2021</a:t>
             </a:fld>
             <a:endParaRPr lang="en-US" dirty="0"/>
@@ -2656,6 +2672,7 @@
           <a:p>
             <a:fld id="{34B7E4EF-A1BD-40F4-AB7B-04F084DD991D}" type="slidenum">
               <a:rPr lang="en-US" smtClean="0"/>
+              <a:pPr/>
               <a:t>‹#›</a:t>
             </a:fld>
             <a:endParaRPr lang="en-US" dirty="0"/>
@@ -2665,7 +2682,7 @@
     </p:spTree>
     <p:extLst>
       <p:ext uri="{BB962C8B-B14F-4D97-AF65-F5344CB8AC3E}">
-        <p14:creationId xmlns:p14="http://schemas.microsoft.com/office/powerpoint/2010/main" val="1071967400"/>
+        <p14:creationId xmlns:p14="http://schemas.microsoft.com/office/powerpoint/2010/main" xmlns="" val="1071967400"/>
       </p:ext>
     </p:extLst>
   </p:cSld>
@@ -2709,6 +2726,7 @@
           <a:p>
             <a:fld id="{03636942-C211-4B28-8DBD-C953E00AF71B}" type="datetime1">
               <a:rPr lang="en-US" smtClean="0"/>
+              <a:pPr/>
               <a:t>5/28/2021</a:t>
             </a:fld>
             <a:endParaRPr lang="en-US" dirty="0"/>
@@ -2751,6 +2769,7 @@
           <a:p>
             <a:fld id="{34B7E4EF-A1BD-40F4-AB7B-04F084DD991D}" type="slidenum">
               <a:rPr lang="en-US" smtClean="0"/>
+              <a:pPr/>
               <a:t>‹#›</a:t>
             </a:fld>
             <a:endParaRPr lang="en-US" dirty="0"/>
@@ -2760,7 +2779,7 @@
     </p:spTree>
     <p:extLst>
       <p:ext uri="{BB962C8B-B14F-4D97-AF65-F5344CB8AC3E}">
-        <p14:creationId xmlns:p14="http://schemas.microsoft.com/office/powerpoint/2010/main" val="4097824603"/>
+        <p14:creationId xmlns:p14="http://schemas.microsoft.com/office/powerpoint/2010/main" xmlns="" val="4097824603"/>
       </p:ext>
     </p:extLst>
   </p:cSld>
@@ -2792,7 +2811,7 @@
           <p:cNvPr id="10" name="Rectangle 9">
             <a:extLst>
               <a:ext uri="{FF2B5EF4-FFF2-40B4-BE49-F238E27FC236}">
-                <a16:creationId xmlns:a16="http://schemas.microsoft.com/office/drawing/2014/main" id="{D5E1BBF9-8BEF-4353-BA68-30AAF9EBD8D8}"/>
+                <a16:creationId xmlns:a16="http://schemas.microsoft.com/office/drawing/2014/main" xmlns="" id="{D5E1BBF9-8BEF-4353-BA68-30AAF9EBD8D8}"/>
               </a:ext>
             </a:extLst>
           </p:cNvPr>
@@ -2839,7 +2858,7 @@
           <p:cNvPr id="13" name="Rectangle 12">
             <a:extLst>
               <a:ext uri="{FF2B5EF4-FFF2-40B4-BE49-F238E27FC236}">
-                <a16:creationId xmlns:a16="http://schemas.microsoft.com/office/drawing/2014/main" id="{5B941C21-2A5D-4912-AB06-1BB0C0EB6AE1}"/>
+                <a16:creationId xmlns:a16="http://schemas.microsoft.com/office/drawing/2014/main" xmlns="" id="{5B941C21-2A5D-4912-AB06-1BB0C0EB6AE1}"/>
               </a:ext>
             </a:extLst>
           </p:cNvPr>
@@ -3126,6 +3145,7 @@
           <a:p>
             <a:fld id="{7E8D12A6-918A-48BD-8CB9-CA713993B0EA}" type="datetime1">
               <a:rPr lang="en-US" smtClean="0"/>
+              <a:pPr/>
               <a:t>5/28/2021</a:t>
             </a:fld>
             <a:endParaRPr lang="en-US" dirty="0"/>
@@ -3193,6 +3213,7 @@
           <a:p>
             <a:fld id="{34B7E4EF-A1BD-40F4-AB7B-04F084DD991D}" type="slidenum">
               <a:rPr lang="en-US" smtClean="0"/>
+              <a:pPr/>
               <a:t>‹#›</a:t>
             </a:fld>
             <a:endParaRPr lang="en-US" dirty="0"/>
@@ -3202,7 +3223,7 @@
     </p:spTree>
     <p:extLst>
       <p:ext uri="{BB962C8B-B14F-4D97-AF65-F5344CB8AC3E}">
-        <p14:creationId xmlns:p14="http://schemas.microsoft.com/office/powerpoint/2010/main" val="3268863532"/>
+        <p14:creationId xmlns:p14="http://schemas.microsoft.com/office/powerpoint/2010/main" xmlns="" val="3268863532"/>
       </p:ext>
     </p:extLst>
   </p:cSld>
@@ -3234,7 +3255,7 @@
           <p:cNvPr id="11" name="Rectangle 10">
             <a:extLst>
               <a:ext uri="{FF2B5EF4-FFF2-40B4-BE49-F238E27FC236}">
-                <a16:creationId xmlns:a16="http://schemas.microsoft.com/office/drawing/2014/main" id="{E687CA98-D9C7-497F-A1DA-7D22F8753BCE}"/>
+                <a16:creationId xmlns:a16="http://schemas.microsoft.com/office/drawing/2014/main" xmlns="" id="{E687CA98-D9C7-497F-A1DA-7D22F8753BCE}"/>
               </a:ext>
             </a:extLst>
           </p:cNvPr>
@@ -3459,6 +3480,7 @@
           <a:p>
             <a:fld id="{34B7E4EF-A1BD-40F4-AB7B-04F084DD991D}" type="slidenum">
               <a:rPr lang="en-US" smtClean="0"/>
+              <a:pPr/>
               <a:t>‹#›</a:t>
             </a:fld>
             <a:endParaRPr lang="en-US" dirty="0"/>
@@ -3470,7 +3492,7 @@
           <p:cNvPr id="12" name="Rectangle 11">
             <a:extLst>
               <a:ext uri="{FF2B5EF4-FFF2-40B4-BE49-F238E27FC236}">
-                <a16:creationId xmlns:a16="http://schemas.microsoft.com/office/drawing/2014/main" id="{F8B3D8CC-BB13-41A5-8F34-B8E84A4F9534}"/>
+                <a16:creationId xmlns:a16="http://schemas.microsoft.com/office/drawing/2014/main" xmlns="" id="{F8B3D8CC-BB13-41A5-8F34-B8E84A4F9534}"/>
               </a:ext>
             </a:extLst>
           </p:cNvPr>
@@ -3635,7 +3657,7 @@
     </p:spTree>
     <p:extLst>
       <p:ext uri="{BB962C8B-B14F-4D97-AF65-F5344CB8AC3E}">
-        <p14:creationId xmlns:p14="http://schemas.microsoft.com/office/powerpoint/2010/main" val="4291304253"/>
+        <p14:creationId xmlns:p14="http://schemas.microsoft.com/office/powerpoint/2010/main" xmlns="" val="4291304253"/>
       </p:ext>
     </p:extLst>
   </p:cSld>
@@ -3672,7 +3694,7 @@
           <p:cNvPr id="9" name="Rectangle 8">
             <a:extLst>
               <a:ext uri="{FF2B5EF4-FFF2-40B4-BE49-F238E27FC236}">
-                <a16:creationId xmlns:a16="http://schemas.microsoft.com/office/drawing/2014/main" id="{1E94681D-2A4C-4A8D-B9B5-31D440D0328D}"/>
+                <a16:creationId xmlns:a16="http://schemas.microsoft.com/office/drawing/2014/main" xmlns="" id="{1E94681D-2A4C-4A8D-B9B5-31D440D0328D}"/>
               </a:ext>
             </a:extLst>
           </p:cNvPr>
@@ -3904,6 +3926,7 @@
           <a:p>
             <a:fld id="{F6FA2B21-3FCD-4721-B95C-427943F61125}" type="datetime1">
               <a:rPr lang="en-US" smtClean="0"/>
+              <a:pPr/>
               <a:t>5/28/2021</a:t>
             </a:fld>
             <a:endParaRPr lang="en-US" dirty="0"/>
@@ -3984,6 +4007,7 @@
           <a:p>
             <a:fld id="{34B7E4EF-A1BD-40F4-AB7B-04F084DD991D}" type="slidenum">
               <a:rPr lang="en-US" smtClean="0"/>
+              <a:pPr/>
               <a:t>‹#›</a:t>
             </a:fld>
             <a:endParaRPr lang="en-US" dirty="0"/>
@@ -3993,7 +4017,7 @@
     </p:spTree>
     <p:extLst>
       <p:ext uri="{BB962C8B-B14F-4D97-AF65-F5344CB8AC3E}">
-        <p14:creationId xmlns:p14="http://schemas.microsoft.com/office/powerpoint/2010/main" val="3113215699"/>
+        <p14:creationId xmlns:p14="http://schemas.microsoft.com/office/powerpoint/2010/main" xmlns="" val="3113215699"/>
       </p:ext>
     </p:extLst>
   </p:cSld>
@@ -4386,10 +4410,10 @@
           <p:cNvPr id="6" name="Picture 5">
             <a:extLst>
               <a:ext uri="{FF2B5EF4-FFF2-40B4-BE49-F238E27FC236}">
-                <a16:creationId xmlns:a16="http://schemas.microsoft.com/office/drawing/2014/main" id="{D9F73848-91FE-4D29-B0DC-BFC408416682}"/>
+                <a16:creationId xmlns:a16="http://schemas.microsoft.com/office/drawing/2014/main" xmlns="" id="{D9F73848-91FE-4D29-B0DC-BFC408416682}"/>
               </a:ext>
               <a:ext uri="{C183D7F6-B498-43B3-948B-1728B52AA6E4}">
-                <adec:decorative xmlns:adec="http://schemas.microsoft.com/office/drawing/2017/decorative" val="1"/>
+                <adec:decorative xmlns:adec="http://schemas.microsoft.com/office/drawing/2017/decorative" xmlns="" val="1"/>
               </a:ext>
             </a:extLst>
           </p:cNvPr>
@@ -4402,7 +4426,7 @@
           <a:blip r:embed="rId3">
             <a:extLst>
               <a:ext uri="{28A0092B-C50C-407E-A947-70E740481C1C}">
-                <a14:useLocalDpi xmlns:a14="http://schemas.microsoft.com/office/drawing/2010/main" val="0"/>
+                <a14:useLocalDpi xmlns:a14="http://schemas.microsoft.com/office/drawing/2010/main" xmlns="" val="0"/>
               </a:ext>
             </a:extLst>
           </a:blip>
@@ -4424,10 +4448,10 @@
           <p:cNvPr id="89" name="Rectangle 88">
             <a:extLst>
               <a:ext uri="{FF2B5EF4-FFF2-40B4-BE49-F238E27FC236}">
-                <a16:creationId xmlns:a16="http://schemas.microsoft.com/office/drawing/2014/main" id="{2644B391-9BFE-445C-A9EC-F544BB85FBC7}"/>
+                <a16:creationId xmlns:a16="http://schemas.microsoft.com/office/drawing/2014/main" xmlns="" id="{2644B391-9BFE-445C-A9EC-F544BB85FBC7}"/>
               </a:ext>
               <a:ext uri="{C183D7F6-B498-43B3-948B-1728B52AA6E4}">
-                <adec:decorative xmlns:adec="http://schemas.microsoft.com/office/drawing/2017/decorative" val="1"/>
+                <adec:decorative xmlns:adec="http://schemas.microsoft.com/office/drawing/2017/decorative" xmlns="" val="1"/>
               </a:ext>
             </a:extLst>
           </p:cNvPr>
@@ -4437,7 +4461,7 @@
           <p:nvPr>
             <p:extLst>
               <p:ext uri="{386F3935-93C4-4BCD-93E2-E3B085C9AB24}">
-                <p16:designElem xmlns:p16="http://schemas.microsoft.com/office/powerpoint/2015/main" val="1"/>
+                <p16:designElem xmlns:p16="http://schemas.microsoft.com/office/powerpoint/2015/main" xmlns="" val="1"/>
               </p:ext>
             </p:extLst>
           </p:nvPr>
@@ -4469,10 +4493,10 @@
           <p:cNvPr id="91" name="Rectangle 90">
             <a:extLst>
               <a:ext uri="{FF2B5EF4-FFF2-40B4-BE49-F238E27FC236}">
-                <a16:creationId xmlns:a16="http://schemas.microsoft.com/office/drawing/2014/main" id="{80F26E69-87D9-4655-AE7B-280A87AA3CAD}"/>
+                <a16:creationId xmlns:a16="http://schemas.microsoft.com/office/drawing/2014/main" xmlns="" id="{80F26E69-87D9-4655-AE7B-280A87AA3CAD}"/>
               </a:ext>
               <a:ext uri="{C183D7F6-B498-43B3-948B-1728B52AA6E4}">
-                <adec:decorative xmlns:adec="http://schemas.microsoft.com/office/drawing/2017/decorative" val="1"/>
+                <adec:decorative xmlns:adec="http://schemas.microsoft.com/office/drawing/2017/decorative" xmlns="" val="1"/>
               </a:ext>
             </a:extLst>
           </p:cNvPr>
@@ -4482,7 +4506,7 @@
           <p:nvPr>
             <p:extLst>
               <p:ext uri="{386F3935-93C4-4BCD-93E2-E3B085C9AB24}">
-                <p16:designElem xmlns:p16="http://schemas.microsoft.com/office/powerpoint/2015/main" val="1"/>
+                <p16:designElem xmlns:p16="http://schemas.microsoft.com/office/powerpoint/2015/main" xmlns="" val="1"/>
               </p:ext>
             </p:extLst>
           </p:nvPr>
@@ -4513,7 +4537,7 @@
           <p:cNvPr id="2" name="Title 1">
             <a:extLst>
               <a:ext uri="{FF2B5EF4-FFF2-40B4-BE49-F238E27FC236}">
-                <a16:creationId xmlns:a16="http://schemas.microsoft.com/office/drawing/2014/main" id="{18C3B467-088C-4F3D-A9A7-105C4E1E20CD}"/>
+                <a16:creationId xmlns:a16="http://schemas.microsoft.com/office/drawing/2014/main" xmlns="" id="{18C3B467-088C-4F3D-A9A7-105C4E1E20CD}"/>
               </a:ext>
             </a:extLst>
           </p:cNvPr>
@@ -4567,7 +4591,7 @@
           <p:cNvPr id="3" name="Subtitle 2">
             <a:extLst>
               <a:ext uri="{FF2B5EF4-FFF2-40B4-BE49-F238E27FC236}">
-                <a16:creationId xmlns:a16="http://schemas.microsoft.com/office/drawing/2014/main" id="{C8722DDC-8EEE-4A06-8DFE-B44871EAA2CF}"/>
+                <a16:creationId xmlns:a16="http://schemas.microsoft.com/office/drawing/2014/main" xmlns="" id="{C8722DDC-8EEE-4A06-8DFE-B44871EAA2CF}"/>
               </a:ext>
             </a:extLst>
           </p:cNvPr>
@@ -4624,7 +4648,7 @@
     </p:spTree>
     <p:extLst>
       <p:ext uri="{BB962C8B-B14F-4D97-AF65-F5344CB8AC3E}">
-        <p14:creationId xmlns:p14="http://schemas.microsoft.com/office/powerpoint/2010/main" val="4269681522"/>
+        <p14:creationId xmlns:p14="http://schemas.microsoft.com/office/powerpoint/2010/main" xmlns="" val="4269681522"/>
       </p:ext>
     </p:extLst>
   </p:cSld>
@@ -4659,7 +4683,7 @@
           <p:cNvPr id="2" name="Title 1">
             <a:extLst>
               <a:ext uri="{FF2B5EF4-FFF2-40B4-BE49-F238E27FC236}">
-                <a16:creationId xmlns:a16="http://schemas.microsoft.com/office/drawing/2014/main" id="{8C7A44DD-913F-402D-AF3E-1AD2DCAEB40B}"/>
+                <a16:creationId xmlns:a16="http://schemas.microsoft.com/office/drawing/2014/main" xmlns="" id="{8C7A44DD-913F-402D-AF3E-1AD2DCAEB40B}"/>
               </a:ext>
             </a:extLst>
           </p:cNvPr>
@@ -4687,7 +4711,7 @@
           <p:cNvPr id="3" name="Content Placeholder 2">
             <a:extLst>
               <a:ext uri="{FF2B5EF4-FFF2-40B4-BE49-F238E27FC236}">
-                <a16:creationId xmlns:a16="http://schemas.microsoft.com/office/drawing/2014/main" id="{40B111FD-3ECB-4C98-8994-C905EF654C63}"/>
+                <a16:creationId xmlns:a16="http://schemas.microsoft.com/office/drawing/2014/main" xmlns="" id="{40B111FD-3ECB-4C98-8994-C905EF654C63}"/>
               </a:ext>
             </a:extLst>
           </p:cNvPr>
@@ -4705,26 +4729,61 @@
           <a:p>
             <a:r>
               <a:rPr lang="en-US" sz="2000" dirty="0"/>
-              <a:t>Provide a platform.</a:t>
-            </a:r>
+              <a:t>Provide a </a:t>
+            </a:r>
+            <a:r>
+              <a:rPr lang="en-US" sz="2000" dirty="0" smtClean="0"/>
+              <a:t>platform for Patients and Doctors</a:t>
+            </a:r>
+          </a:p>
+          <a:p>
+            <a:endParaRPr lang="en-US" sz="2000" dirty="0"/>
           </a:p>
           <a:p>
             <a:r>
               <a:rPr lang="en-US" sz="2000" dirty="0"/>
-              <a:t>User is free to choose.</a:t>
-            </a:r>
+              <a:t>User is free to </a:t>
+            </a:r>
+            <a:r>
+              <a:rPr lang="en-US" sz="2000" dirty="0" smtClean="0"/>
+              <a:t>choose</a:t>
+            </a:r>
+            <a:r>
+              <a:rPr lang="en-US" sz="2000" dirty="0" smtClean="0"/>
+              <a:t> </a:t>
+            </a:r>
+            <a:r>
+              <a:rPr lang="en-US" sz="2000" dirty="0" smtClean="0"/>
+              <a:t>his options</a:t>
+            </a:r>
+            <a:endParaRPr lang="en-US" sz="2000" dirty="0" smtClean="0"/>
+          </a:p>
+          <a:p>
+            <a:endParaRPr lang="en-US" sz="2000" dirty="0"/>
           </a:p>
           <a:p>
             <a:r>
               <a:rPr lang="en-US" sz="2000" dirty="0"/>
-              <a:t>Harness the power technology for mental health.</a:t>
-            </a:r>
+              <a:t>Harness the power technology for mental </a:t>
+            </a:r>
+            <a:r>
+              <a:rPr lang="en-US" sz="2000" dirty="0" smtClean="0"/>
+              <a:t>health</a:t>
+            </a:r>
+          </a:p>
+          <a:p>
+            <a:endParaRPr lang="en-US" sz="2000" dirty="0"/>
           </a:p>
           <a:p>
             <a:r>
               <a:rPr lang="en-US" sz="2000" dirty="0"/>
-              <a:t>Demand drives the market.</a:t>
-            </a:r>
+              <a:t>Demand drives the </a:t>
+            </a:r>
+            <a:r>
+              <a:rPr lang="en-US" sz="2000" dirty="0" smtClean="0"/>
+              <a:t>market formula for growth</a:t>
+            </a:r>
+            <a:endParaRPr lang="en-US" sz="2000" dirty="0"/>
           </a:p>
           <a:p>
             <a:endParaRPr lang="en-US" dirty="0"/>
@@ -4734,7 +4793,7 @@
     </p:spTree>
     <p:extLst>
       <p:ext uri="{BB962C8B-B14F-4D97-AF65-F5344CB8AC3E}">
-        <p14:creationId xmlns:p14="http://schemas.microsoft.com/office/powerpoint/2010/main" val="640979745"/>
+        <p14:creationId xmlns:p14="http://schemas.microsoft.com/office/powerpoint/2010/main" xmlns="" val="640979745"/>
       </p:ext>
     </p:extLst>
   </p:cSld>
@@ -4769,7 +4828,7 @@
           <p:cNvPr id="2" name="Title 1">
             <a:extLst>
               <a:ext uri="{FF2B5EF4-FFF2-40B4-BE49-F238E27FC236}">
-                <a16:creationId xmlns:a16="http://schemas.microsoft.com/office/drawing/2014/main" id="{0CB84B6F-4907-49A0-BA87-3F7F4033D9D0}"/>
+                <a16:creationId xmlns:a16="http://schemas.microsoft.com/office/drawing/2014/main" xmlns="" id="{0CB84B6F-4907-49A0-BA87-3F7F4033D9D0}"/>
               </a:ext>
             </a:extLst>
           </p:cNvPr>
@@ -4797,7 +4856,7 @@
           <p:cNvPr id="3" name="Content Placeholder 2">
             <a:extLst>
               <a:ext uri="{FF2B5EF4-FFF2-40B4-BE49-F238E27FC236}">
-                <a16:creationId xmlns:a16="http://schemas.microsoft.com/office/drawing/2014/main" id="{A7A26E6C-E5CC-4AEC-8DCA-9F6B49639DF8}"/>
+                <a16:creationId xmlns:a16="http://schemas.microsoft.com/office/drawing/2014/main" xmlns="" id="{A7A26E6C-E5CC-4AEC-8DCA-9F6B49639DF8}"/>
               </a:ext>
             </a:extLst>
           </p:cNvPr>
@@ -4868,7 +4927,7 @@
     </p:spTree>
     <p:extLst>
       <p:ext uri="{BB962C8B-B14F-4D97-AF65-F5344CB8AC3E}">
-        <p14:creationId xmlns:p14="http://schemas.microsoft.com/office/powerpoint/2010/main" val="2374055369"/>
+        <p14:creationId xmlns:p14="http://schemas.microsoft.com/office/powerpoint/2010/main" xmlns="" val="2374055369"/>
       </p:ext>
     </p:extLst>
   </p:cSld>
@@ -4903,7 +4962,7 @@
           <p:cNvPr id="2" name="Title 1">
             <a:extLst>
               <a:ext uri="{FF2B5EF4-FFF2-40B4-BE49-F238E27FC236}">
-                <a16:creationId xmlns:a16="http://schemas.microsoft.com/office/drawing/2014/main" id="{0840957D-2337-4135-8F02-53B2174EA0AC}"/>
+                <a16:creationId xmlns:a16="http://schemas.microsoft.com/office/drawing/2014/main" xmlns="" id="{0840957D-2337-4135-8F02-53B2174EA0AC}"/>
               </a:ext>
             </a:extLst>
           </p:cNvPr>
@@ -4931,7 +4990,7 @@
           <p:cNvPr id="3" name="Content Placeholder 2">
             <a:extLst>
               <a:ext uri="{FF2B5EF4-FFF2-40B4-BE49-F238E27FC236}">
-                <a16:creationId xmlns:a16="http://schemas.microsoft.com/office/drawing/2014/main" id="{14AA90AB-6E21-4AF3-80BC-7F3EBB7AA61C}"/>
+                <a16:creationId xmlns:a16="http://schemas.microsoft.com/office/drawing/2014/main" xmlns="" id="{14AA90AB-6E21-4AF3-80BC-7F3EBB7AA61C}"/>
               </a:ext>
             </a:extLst>
           </p:cNvPr>
@@ -5001,7 +5060,7 @@
     </p:spTree>
     <p:extLst>
       <p:ext uri="{BB962C8B-B14F-4D97-AF65-F5344CB8AC3E}">
-        <p14:creationId xmlns:p14="http://schemas.microsoft.com/office/powerpoint/2010/main" val="3188814254"/>
+        <p14:creationId xmlns:p14="http://schemas.microsoft.com/office/powerpoint/2010/main" xmlns="" val="3188814254"/>
       </p:ext>
     </p:extLst>
   </p:cSld>
@@ -5036,7 +5095,7 @@
           <p:cNvPr id="2" name="Title 1">
             <a:extLst>
               <a:ext uri="{FF2B5EF4-FFF2-40B4-BE49-F238E27FC236}">
-                <a16:creationId xmlns:a16="http://schemas.microsoft.com/office/drawing/2014/main" id="{84491199-677D-439A-B534-61C3E648C92C}"/>
+                <a16:creationId xmlns:a16="http://schemas.microsoft.com/office/drawing/2014/main" xmlns="" id="{84491199-677D-439A-B534-61C3E648C92C}"/>
               </a:ext>
             </a:extLst>
           </p:cNvPr>
@@ -5053,9 +5112,10 @@
           <a:lstStyle/>
           <a:p>
             <a:r>
-              <a:rPr lang="en-US" dirty="0"/>
-              <a:t>Comparison</a:t>
-            </a:r>
+              <a:rPr lang="en-US" dirty="0" smtClean="0"/>
+              <a:t>Comparison with Current Systems</a:t>
+            </a:r>
+            <a:endParaRPr lang="en-US" dirty="0"/>
           </a:p>
         </p:txBody>
       </p:sp>
@@ -5064,7 +5124,7 @@
           <p:cNvPr id="3" name="Content Placeholder 2">
             <a:extLst>
               <a:ext uri="{FF2B5EF4-FFF2-40B4-BE49-F238E27FC236}">
-                <a16:creationId xmlns:a16="http://schemas.microsoft.com/office/drawing/2014/main" id="{B25F9EE5-1266-4F6B-93DA-AF6AB50BBF5B}"/>
+                <a16:creationId xmlns:a16="http://schemas.microsoft.com/office/drawing/2014/main" xmlns="" id="{B25F9EE5-1266-4F6B-93DA-AF6AB50BBF5B}"/>
               </a:ext>
             </a:extLst>
           </p:cNvPr>
@@ -5084,7 +5144,15 @@
           <a:p>
             <a:r>
               <a:rPr lang="en-US" sz="2000" dirty="0"/>
-              <a:t>Focusing on scope of mental-health</a:t>
+              <a:t>Focusing </a:t>
+            </a:r>
+            <a:r>
+              <a:rPr lang="en-US" sz="2000" dirty="0" smtClean="0"/>
+              <a:t>only on </a:t>
+            </a:r>
+            <a:r>
+              <a:rPr lang="en-US" sz="2000" dirty="0"/>
+              <a:t>scope of mental-health</a:t>
             </a:r>
           </a:p>
           <a:p>
@@ -5143,7 +5211,7 @@
     </p:spTree>
     <p:extLst>
       <p:ext uri="{BB962C8B-B14F-4D97-AF65-F5344CB8AC3E}">
-        <p14:creationId xmlns:p14="http://schemas.microsoft.com/office/powerpoint/2010/main" val="1962360033"/>
+        <p14:creationId xmlns:p14="http://schemas.microsoft.com/office/powerpoint/2010/main" xmlns="" val="1962360033"/>
       </p:ext>
     </p:extLst>
   </p:cSld>
@@ -5178,7 +5246,7 @@
           <p:cNvPr id="2" name="Title 1">
             <a:extLst>
               <a:ext uri="{FF2B5EF4-FFF2-40B4-BE49-F238E27FC236}">
-                <a16:creationId xmlns:a16="http://schemas.microsoft.com/office/drawing/2014/main" id="{2CA0A55B-599D-4FD0-A372-4BB9756BA49B}"/>
+                <a16:creationId xmlns:a16="http://schemas.microsoft.com/office/drawing/2014/main" xmlns="" id="{2CA0A55B-599D-4FD0-A372-4BB9756BA49B}"/>
               </a:ext>
             </a:extLst>
           </p:cNvPr>
@@ -5206,7 +5274,7 @@
           <p:cNvPr id="3" name="Content Placeholder 2">
             <a:extLst>
               <a:ext uri="{FF2B5EF4-FFF2-40B4-BE49-F238E27FC236}">
-                <a16:creationId xmlns:a16="http://schemas.microsoft.com/office/drawing/2014/main" id="{AC68CFB4-6111-43DC-89CC-95E014243119}"/>
+                <a16:creationId xmlns:a16="http://schemas.microsoft.com/office/drawing/2014/main" xmlns="" id="{AC68CFB4-6111-43DC-89CC-95E014243119}"/>
               </a:ext>
             </a:extLst>
           </p:cNvPr>
@@ -5264,7 +5332,7 @@
     </p:spTree>
     <p:extLst>
       <p:ext uri="{BB962C8B-B14F-4D97-AF65-F5344CB8AC3E}">
-        <p14:creationId xmlns:p14="http://schemas.microsoft.com/office/powerpoint/2010/main" val="3376915655"/>
+        <p14:creationId xmlns:p14="http://schemas.microsoft.com/office/powerpoint/2010/main" xmlns="" val="3376915655"/>
       </p:ext>
     </p:extLst>
   </p:cSld>
@@ -5299,7 +5367,7 @@
           <p:cNvPr id="2" name="Title 1">
             <a:extLst>
               <a:ext uri="{FF2B5EF4-FFF2-40B4-BE49-F238E27FC236}">
-                <a16:creationId xmlns:a16="http://schemas.microsoft.com/office/drawing/2014/main" id="{031EDFDF-FF3F-4DA2-A872-91FF2534315C}"/>
+                <a16:creationId xmlns:a16="http://schemas.microsoft.com/office/drawing/2014/main" xmlns="" id="{031EDFDF-FF3F-4DA2-A872-91FF2534315C}"/>
               </a:ext>
             </a:extLst>
           </p:cNvPr>
@@ -5327,7 +5395,7 @@
           <p:cNvPr id="3" name="Content Placeholder 2">
             <a:extLst>
               <a:ext uri="{FF2B5EF4-FFF2-40B4-BE49-F238E27FC236}">
-                <a16:creationId xmlns:a16="http://schemas.microsoft.com/office/drawing/2014/main" id="{F1384177-FFFE-4605-B689-D56185CBD0FD}"/>
+                <a16:creationId xmlns:a16="http://schemas.microsoft.com/office/drawing/2014/main" xmlns="" id="{F1384177-FFFE-4605-B689-D56185CBD0FD}"/>
               </a:ext>
             </a:extLst>
           </p:cNvPr>
@@ -5376,7 +5444,7 @@
     </p:spTree>
     <p:extLst>
       <p:ext uri="{BB962C8B-B14F-4D97-AF65-F5344CB8AC3E}">
-        <p14:creationId xmlns:p14="http://schemas.microsoft.com/office/powerpoint/2010/main" val="3117062561"/>
+        <p14:creationId xmlns:p14="http://schemas.microsoft.com/office/powerpoint/2010/main" xmlns="" val="3117062561"/>
       </p:ext>
     </p:extLst>
   </p:cSld>
@@ -5408,13 +5476,7 @@
       </p:grpSpPr>
       <p:sp>
         <p:nvSpPr>
-          <p:cNvPr id="2" name="Title 1">
-            <a:extLst>
-              <a:ext uri="{FF2B5EF4-FFF2-40B4-BE49-F238E27FC236}">
-                <a16:creationId xmlns:a16="http://schemas.microsoft.com/office/drawing/2014/main" id="{FF53C795-A623-435A-ACB5-00010FFD6597}"/>
-              </a:ext>
-            </a:extLst>
-          </p:cNvPr>
+          <p:cNvPr id="2" name="Title 1"/>
           <p:cNvSpPr>
             <a:spLocks noGrp="1"/>
           </p:cNvSpPr>
@@ -5428,25 +5490,165 @@
           <a:lstStyle/>
           <a:p>
             <a:r>
-              <a:rPr lang="en-US" dirty="0"/>
-              <a:t>Questions?</a:t>
-            </a:r>
+              <a:rPr lang="en-IN" dirty="0" smtClean="0"/>
+              <a:t>Conclusion</a:t>
+            </a:r>
+            <a:endParaRPr lang="en-IN" dirty="0"/>
+          </a:p>
+        </p:txBody>
+      </p:sp>
+      <p:sp>
+        <p:nvSpPr>
+          <p:cNvPr id="3" name="Content Placeholder 2"/>
+          <p:cNvSpPr>
+            <a:spLocks noGrp="1"/>
+          </p:cNvSpPr>
+          <p:nvPr>
+            <p:ph idx="1"/>
+          </p:nvPr>
+        </p:nvSpPr>
+        <p:spPr/>
+        <p:txBody>
+          <a:bodyPr>
+            <a:normAutofit/>
+          </a:bodyPr>
+          <a:lstStyle/>
+          <a:p>
+            <a:r>
+              <a:rPr lang="en-IN" sz="2000" dirty="0" smtClean="0"/>
+              <a:t>Website with Clean, Easy </a:t>
+            </a:r>
+            <a:r>
+              <a:rPr lang="en-IN" sz="2000" dirty="0" smtClean="0"/>
+              <a:t>and Simple UI/UX </a:t>
+            </a:r>
+          </a:p>
+          <a:p>
+            <a:pPr>
+              <a:buNone/>
+            </a:pPr>
+            <a:endParaRPr lang="en-IN" sz="2000" dirty="0" smtClean="0"/>
+          </a:p>
+          <a:p>
+            <a:r>
+              <a:rPr lang="en-IN" sz="2000" dirty="0" smtClean="0"/>
+              <a:t>Hopes to tackle issue of Mental Health</a:t>
+            </a:r>
+          </a:p>
+          <a:p>
+            <a:endParaRPr lang="en-IN" sz="2000" dirty="0" smtClean="0"/>
+          </a:p>
+          <a:p>
+            <a:r>
+              <a:rPr lang="en-IN" sz="2000" dirty="0" smtClean="0"/>
+              <a:t>Web Technology meets Health</a:t>
+            </a:r>
+          </a:p>
+          <a:p>
+            <a:endParaRPr lang="en-IN" sz="2000" dirty="0" smtClean="0"/>
+          </a:p>
+          <a:p>
+            <a:pPr>
+              <a:buNone/>
+            </a:pPr>
+            <a:endParaRPr lang="en-IN" sz="2000" dirty="0" smtClean="0"/>
+          </a:p>
+          <a:p>
+            <a:endParaRPr lang="en-IN" sz="2000" dirty="0" smtClean="0"/>
+          </a:p>
+          <a:p>
+            <a:endParaRPr lang="en-IN" sz="2000" dirty="0" smtClean="0"/>
+          </a:p>
+          <a:p>
+            <a:endParaRPr lang="en-IN" sz="2000" dirty="0"/>
           </a:p>
         </p:txBody>
       </p:sp>
     </p:spTree>
-    <p:extLst>
-      <p:ext uri="{BB962C8B-B14F-4D97-AF65-F5344CB8AC3E}">
-        <p14:creationId xmlns:p14="http://schemas.microsoft.com/office/powerpoint/2010/main" val="632329491"/>
-      </p:ext>
-    </p:extLst>
   </p:cSld>
   <p:clrMapOvr>
     <a:masterClrMapping/>
   </p:clrMapOvr>
-  <p:transition spd="med">
-    <p:pull/>
-  </p:transition>
+</p:sld>
+</file>
+
+<file path=ppt/slides/slide9.xml><?xml version="1.0" encoding="utf-8"?>
+<p:sld xmlns:a="http://schemas.openxmlformats.org/drawingml/2006/main" xmlns:r="http://schemas.openxmlformats.org/officeDocument/2006/relationships" xmlns:p="http://schemas.openxmlformats.org/presentationml/2006/main">
+  <p:cSld>
+    <p:spTree>
+      <p:nvGrpSpPr>
+        <p:cNvPr id="1" name=""/>
+        <p:cNvGrpSpPr/>
+        <p:nvPr/>
+      </p:nvGrpSpPr>
+      <p:grpSpPr>
+        <a:xfrm>
+          <a:off x="0" y="0"/>
+          <a:ext cx="0" cy="0"/>
+          <a:chOff x="0" y="0"/>
+          <a:chExt cx="0" cy="0"/>
+        </a:xfrm>
+      </p:grpSpPr>
+      <p:sp>
+        <p:nvSpPr>
+          <p:cNvPr id="2" name="Title 1"/>
+          <p:cNvSpPr>
+            <a:spLocks noGrp="1"/>
+          </p:cNvSpPr>
+          <p:nvPr>
+            <p:ph type="title"/>
+          </p:nvPr>
+        </p:nvSpPr>
+        <p:spPr>
+          <a:xfrm>
+            <a:off x="1066800" y="642593"/>
+            <a:ext cx="10058400" cy="5235693"/>
+          </a:xfrm>
+        </p:spPr>
+        <p:txBody>
+          <a:bodyPr>
+            <a:normAutofit/>
+          </a:bodyPr>
+          <a:lstStyle/>
+          <a:p>
+            <a:pPr algn="ctr"/>
+            <a:r>
+              <a:rPr lang="en-IN" dirty="0" smtClean="0"/>
+              <a:t>Thank You !</a:t>
+            </a:r>
+            <a:br>
+              <a:rPr lang="en-IN" dirty="0" smtClean="0"/>
+            </a:br>
+            <a:r>
+              <a:rPr lang="en-IN" dirty="0" smtClean="0"/>
+              <a:t/>
+            </a:r>
+            <a:br>
+              <a:rPr lang="en-IN" dirty="0" smtClean="0"/>
+            </a:br>
+            <a:r>
+              <a:rPr lang="en-IN" dirty="0" smtClean="0"/>
+              <a:t/>
+            </a:r>
+            <a:br>
+              <a:rPr lang="en-IN" dirty="0" smtClean="0"/>
+            </a:br>
+            <a:r>
+              <a:rPr lang="en-IN" dirty="0" smtClean="0"/>
+              <a:t>Questions?</a:t>
+            </a:r>
+            <a:br>
+              <a:rPr lang="en-IN" dirty="0" smtClean="0"/>
+            </a:br>
+            <a:endParaRPr lang="en-IN" dirty="0"/>
+          </a:p>
+        </p:txBody>
+      </p:sp>
+    </p:spTree>
+  </p:cSld>
+  <p:clrMapOvr>
+    <a:masterClrMapping/>
+  </p:clrMapOvr>
 </p:sld>
 </file>
 
@@ -5493,7 +5695,7 @@
     </a:clrScheme>
     <a:fontScheme name="Savon">
       <a:majorFont>
-        <a:latin typeface="Avenir Next LT Pro Light" panose="02020404030301010803"/>
+        <a:latin typeface="Avenir Next LT Pro Light"/>
         <a:ea typeface=""/>
         <a:cs typeface=""/>
         <a:font script="Jpan" typeface="ＭＳ ゴシック"/>
@@ -5528,7 +5730,7 @@
         <a:font script="Geor" typeface="Sylfaen"/>
       </a:majorFont>
       <a:minorFont>
-        <a:latin typeface="Avenir Next LT Pro" panose="02020404030301010803"/>
+        <a:latin typeface="Avenir Next LT Pro"/>
         <a:ea typeface=""/>
         <a:cs typeface=""/>
         <a:font script="Jpan" typeface="ＭＳ ゴシック"/>
@@ -5720,7 +5922,7 @@
   <a:extraClrSchemeLst/>
   <a:extLst>
     <a:ext uri="{05A4C25C-085E-4340-85A3-A5531E510DB2}">
-      <thm15:themeFamily xmlns:thm15="http://schemas.microsoft.com/office/thememl/2012/main" name="SavonVTI" id="{A72E8C35-66DD-49F8-AF66-813F19B983AE}" vid="{93CCBC76-B7A1-4C3D-93EA-5CE34C4670F9}"/>
+      <thm15:themeFamily xmlns:thm15="http://schemas.microsoft.com/office/thememl/2012/main" xmlns="" name="SavonVTI" id="{A72E8C35-66DD-49F8-AF66-813F19B983AE}" vid="{93CCBC76-B7A1-4C3D-93EA-5CE34C4670F9}"/>
     </a:ext>
   </a:extLst>
 </a:theme>
@@ -5770,6 +5972,24 @@
 </file>
 
 <file path=customXml/item1.xml><?xml version="1.0" encoding="utf-8"?>
+<p:properties xmlns:p="http://schemas.microsoft.com/office/2006/metadata/properties" xmlns:xsi="http://www.w3.org/2001/XMLSchema-instance" xmlns:pc="http://schemas.microsoft.com/office/infopath/2007/PartnerControls">
+  <documentManagement>
+    <Status xmlns="71af3243-3dd4-4a8d-8c0d-dd76da1f02a5">Not started</Status>
+    <MediaServiceKeyPoints xmlns="71af3243-3dd4-4a8d-8c0d-dd76da1f02a5" xsi:nil="true"/>
+  </documentManagement>
+</p:properties>
+</file>
+
+<file path=customXml/item2.xml><?xml version="1.0" encoding="utf-8"?>
+<?mso-contentType ?>
+<FormTemplates xmlns="http://schemas.microsoft.com/sharepoint/v3/contenttype/forms">
+  <Display>DocumentLibraryForm</Display>
+  <Edit>DocumentLibraryForm</Edit>
+  <New>DocumentLibraryForm</New>
+</FormTemplates>
+</file>
+
+<file path=customXml/item3.xml><?xml version="1.0" encoding="utf-8"?>
 <ct:contentTypeSchema xmlns:ct="http://schemas.microsoft.com/office/2006/metadata/contentType" xmlns:ma="http://schemas.microsoft.com/office/2006/metadata/properties/metaAttributes" ct:_="" ma:_="" ma:contentTypeName="Document" ma:contentTypeID="0x01010079F111ED35F8CC479449609E8A0923A6" ma:contentTypeVersion="12" ma:contentTypeDescription="Create a new document." ma:contentTypeScope="" ma:versionID="a410dd7f93c95333ffa1b60ed6adedd1">
   <xsd:schema xmlns:xsd="http://www.w3.org/2001/XMLSchema" xmlns:xs="http://www.w3.org/2001/XMLSchema" xmlns:p="http://schemas.microsoft.com/office/2006/metadata/properties" xmlns:ns2="71af3243-3dd4-4a8d-8c0d-dd76da1f02a5" xmlns:ns3="16c05727-aa75-4e4a-9b5f-8a80a1165891" targetNamespace="http://schemas.microsoft.com/office/2006/metadata/properties" ma:root="true" ma:fieldsID="a936d9baba76aa3866493feff160faab" ns2:_="" ns3:_="">
     <xsd:import namespace="71af3243-3dd4-4a8d-8c0d-dd76da1f02a5"/>
@@ -5990,25 +6210,25 @@
 </ct:contentTypeSchema>
 </file>
 
-<file path=customXml/item2.xml><?xml version="1.0" encoding="utf-8"?>
-<?mso-contentType ?>
-<FormTemplates xmlns="http://schemas.microsoft.com/sharepoint/v3/contenttype/forms">
-  <Display>DocumentLibraryForm</Display>
-  <Edit>DocumentLibraryForm</Edit>
-  <New>DocumentLibraryForm</New>
-</FormTemplates>
+<file path=customXml/itemProps1.xml><?xml version="1.0" encoding="utf-8"?>
+<ds:datastoreItem xmlns:ds="http://schemas.openxmlformats.org/officeDocument/2006/customXml" ds:itemID="{B975FBC4-9D33-46BE-911D-419763BA9AF9}">
+  <ds:schemaRefs>
+    <ds:schemaRef ds:uri="http://schemas.microsoft.com/office/2006/metadata/properties"/>
+    <ds:schemaRef ds:uri="http://schemas.microsoft.com/office/infopath/2007/PartnerControls"/>
+    <ds:schemaRef ds:uri="71af3243-3dd4-4a8d-8c0d-dd76da1f02a5"/>
+  </ds:schemaRefs>
+</ds:datastoreItem>
 </file>
 
-<file path=customXml/item3.xml><?xml version="1.0" encoding="utf-8"?>
-<p:properties xmlns:p="http://schemas.microsoft.com/office/2006/metadata/properties" xmlns:xsi="http://www.w3.org/2001/XMLSchema-instance" xmlns:pc="http://schemas.microsoft.com/office/infopath/2007/PartnerControls">
-  <documentManagement>
-    <Status xmlns="71af3243-3dd4-4a8d-8c0d-dd76da1f02a5">Not started</Status>
-    <MediaServiceKeyPoints xmlns="71af3243-3dd4-4a8d-8c0d-dd76da1f02a5" xsi:nil="true"/>
-  </documentManagement>
-</p:properties>
+<file path=customXml/itemProps2.xml><?xml version="1.0" encoding="utf-8"?>
+<ds:datastoreItem xmlns:ds="http://schemas.openxmlformats.org/officeDocument/2006/customXml" ds:itemID="{294F055B-D391-44D3-A87A-BCD07BD5A31C}">
+  <ds:schemaRefs>
+    <ds:schemaRef ds:uri="http://schemas.microsoft.com/sharepoint/v3/contenttype/forms"/>
+  </ds:schemaRefs>
+</ds:datastoreItem>
 </file>
 
-<file path=customXml/itemProps1.xml><?xml version="1.0" encoding="utf-8"?>
+<file path=customXml/itemProps3.xml><?xml version="1.0" encoding="utf-8"?>
 <ds:datastoreItem xmlns:ds="http://schemas.openxmlformats.org/officeDocument/2006/customXml" ds:itemID="{26DBD101-FC0A-4B21-82B0-57CAA7AEEC71}">
   <ds:schemaRefs>
     <ds:schemaRef ds:uri="http://schemas.microsoft.com/office/2006/metadata/contentType"/>
@@ -6025,22 +6245,4 @@
     <ds:schemaRef ds:uri="http://schemas.microsoft.com/internal/obd"/>
   </ds:schemaRefs>
 </ds:datastoreItem>
-</file>
-
-<file path=customXml/itemProps2.xml><?xml version="1.0" encoding="utf-8"?>
-<ds:datastoreItem xmlns:ds="http://schemas.openxmlformats.org/officeDocument/2006/customXml" ds:itemID="{294F055B-D391-44D3-A87A-BCD07BD5A31C}">
-  <ds:schemaRefs>
-    <ds:schemaRef ds:uri="http://schemas.microsoft.com/sharepoint/v3/contenttype/forms"/>
-  </ds:schemaRefs>
-</ds:datastoreItem>
-</file>
-
-<file path=customXml/itemProps3.xml><?xml version="1.0" encoding="utf-8"?>
-<ds:datastoreItem xmlns:ds="http://schemas.openxmlformats.org/officeDocument/2006/customXml" ds:itemID="{B975FBC4-9D33-46BE-911D-419763BA9AF9}">
-  <ds:schemaRefs>
-    <ds:schemaRef ds:uri="http://schemas.microsoft.com/office/2006/metadata/properties"/>
-    <ds:schemaRef ds:uri="http://schemas.microsoft.com/office/infopath/2007/PartnerControls"/>
-    <ds:schemaRef ds:uri="71af3243-3dd4-4a8d-8c0d-dd76da1f02a5"/>
-  </ds:schemaRefs>
-</ds:datastoreItem>
 </file>
--- a/documents/Presentation.pptx
+++ b/documents/Presentation.pptx
@@ -114,7 +114,18 @@
   </p:defaultTextStyle>
   <p:extLst>
     <p:ext uri="{EFAFB233-063F-42B5-8137-9DF3F51BA10A}">
-      <p15:sldGuideLst xmlns:p15="http://schemas.microsoft.com/office/powerpoint/2012/main" xmlns=""/>
+      <p15:sldGuideLst xmlns:p15="http://schemas.microsoft.com/office/powerpoint/2012/main">
+        <p15:guide id="1" orient="horz" pos="2160">
+          <p15:clr>
+            <a:srgbClr val="A4A3A4"/>
+          </p15:clr>
+        </p15:guide>
+        <p15:guide id="2" pos="3840">
+          <p15:clr>
+            <a:srgbClr val="A4A3A4"/>
+          </p15:clr>
+        </p15:guide>
+      </p15:sldGuideLst>
     </p:ext>
   </p:extLst>
 </p:presentation>
@@ -142,7 +153,7 @@
           <p:cNvPr id="5" name="Rectangle 4">
             <a:extLst>
               <a:ext uri="{FF2B5EF4-FFF2-40B4-BE49-F238E27FC236}">
-                <a16:creationId xmlns:a16="http://schemas.microsoft.com/office/drawing/2014/main" xmlns="" id="{904DB13E-F722-4ED6-BB00-556651E95281}"/>
+                <a16:creationId xmlns:a16="http://schemas.microsoft.com/office/drawing/2014/main" id="{904DB13E-F722-4ED6-BB00-556651E95281}"/>
               </a:ext>
             </a:extLst>
           </p:cNvPr>
@@ -291,7 +302,7 @@
           <p:cNvPr id="7" name="Group 6">
             <a:extLst>
               <a:ext uri="{FF2B5EF4-FFF2-40B4-BE49-F238E27FC236}">
-                <a16:creationId xmlns:a16="http://schemas.microsoft.com/office/drawing/2014/main" xmlns="" id="{E26428D7-C6F3-473D-A360-A3F5C3E8728C}"/>
+                <a16:creationId xmlns:a16="http://schemas.microsoft.com/office/drawing/2014/main" id="{E26428D7-C6F3-473D-A360-A3F5C3E8728C}"/>
               </a:ext>
             </a:extLst>
           </p:cNvPr>
@@ -674,7 +685,7 @@
     </p:spTree>
     <p:extLst>
       <p:ext uri="{BB962C8B-B14F-4D97-AF65-F5344CB8AC3E}">
-        <p14:creationId xmlns:p14="http://schemas.microsoft.com/office/powerpoint/2010/main" xmlns="" val="2471344430"/>
+        <p14:creationId xmlns:p14="http://schemas.microsoft.com/office/powerpoint/2010/main" val="2471344430"/>
       </p:ext>
     </p:extLst>
   </p:cSld>
@@ -846,7 +857,7 @@
     </p:spTree>
     <p:extLst>
       <p:ext uri="{BB962C8B-B14F-4D97-AF65-F5344CB8AC3E}">
-        <p14:creationId xmlns:p14="http://schemas.microsoft.com/office/powerpoint/2010/main" xmlns="" val="1203008541"/>
+        <p14:creationId xmlns:p14="http://schemas.microsoft.com/office/powerpoint/2010/main" val="1203008541"/>
       </p:ext>
     </p:extLst>
   </p:cSld>
@@ -1028,7 +1039,7 @@
     </p:spTree>
     <p:extLst>
       <p:ext uri="{BB962C8B-B14F-4D97-AF65-F5344CB8AC3E}">
-        <p14:creationId xmlns:p14="http://schemas.microsoft.com/office/powerpoint/2010/main" xmlns="" val="2899999987"/>
+        <p14:creationId xmlns:p14="http://schemas.microsoft.com/office/powerpoint/2010/main" val="2899999987"/>
       </p:ext>
     </p:extLst>
   </p:cSld>
@@ -1200,7 +1211,7 @@
     </p:spTree>
     <p:extLst>
       <p:ext uri="{BB962C8B-B14F-4D97-AF65-F5344CB8AC3E}">
-        <p14:creationId xmlns:p14="http://schemas.microsoft.com/office/powerpoint/2010/main" xmlns="" val="3280400289"/>
+        <p14:creationId xmlns:p14="http://schemas.microsoft.com/office/powerpoint/2010/main" val="3280400289"/>
       </p:ext>
     </p:extLst>
   </p:cSld>
@@ -1232,7 +1243,7 @@
           <p:cNvPr id="15" name="Rectangle 14">
             <a:extLst>
               <a:ext uri="{FF2B5EF4-FFF2-40B4-BE49-F238E27FC236}">
-                <a16:creationId xmlns:a16="http://schemas.microsoft.com/office/drawing/2014/main" xmlns="" id="{0A4A1889-E37C-4EC3-9E41-9DAD221CF389}"/>
+                <a16:creationId xmlns:a16="http://schemas.microsoft.com/office/drawing/2014/main" id="{0A4A1889-E37C-4EC3-9E41-9DAD221CF389}"/>
               </a:ext>
             </a:extLst>
           </p:cNvPr>
@@ -1429,7 +1440,7 @@
           <p:cNvPr id="16" name="Group 15">
             <a:extLst>
               <a:ext uri="{FF2B5EF4-FFF2-40B4-BE49-F238E27FC236}">
-                <a16:creationId xmlns:a16="http://schemas.microsoft.com/office/drawing/2014/main" xmlns="" id="{1683EB04-C23E-490C-A1A6-030CF79D23C8}"/>
+                <a16:creationId xmlns:a16="http://schemas.microsoft.com/office/drawing/2014/main" id="{1683EB04-C23E-490C-A1A6-030CF79D23C8}"/>
               </a:ext>
             </a:extLst>
           </p:cNvPr>
@@ -1449,7 +1460,7 @@
             <p:cNvPr id="17" name="Straight Connector 16">
               <a:extLst>
                 <a:ext uri="{FF2B5EF4-FFF2-40B4-BE49-F238E27FC236}">
-                  <a16:creationId xmlns:a16="http://schemas.microsoft.com/office/drawing/2014/main" xmlns="" id="{F8A84C03-E1CA-4A4E-81D6-9BB0C335B7A0}"/>
+                  <a16:creationId xmlns:a16="http://schemas.microsoft.com/office/drawing/2014/main" id="{F8A84C03-E1CA-4A4E-81D6-9BB0C335B7A0}"/>
                 </a:ext>
               </a:extLst>
             </p:cNvPr>
@@ -1497,7 +1508,7 @@
             <p:cNvPr id="18" name="Straight Connector 17">
               <a:extLst>
                 <a:ext uri="{FF2B5EF4-FFF2-40B4-BE49-F238E27FC236}">
-                  <a16:creationId xmlns:a16="http://schemas.microsoft.com/office/drawing/2014/main" xmlns="" id="{4A26FB5A-D5D1-4DAB-AC43-7F51A7F2D197}"/>
+                  <a16:creationId xmlns:a16="http://schemas.microsoft.com/office/drawing/2014/main" id="{4A26FB5A-D5D1-4DAB-AC43-7F51A7F2D197}"/>
                 </a:ext>
               </a:extLst>
             </p:cNvPr>
@@ -1545,7 +1556,7 @@
             <p:cNvPr id="19" name="Straight Connector 18">
               <a:extLst>
                 <a:ext uri="{FF2B5EF4-FFF2-40B4-BE49-F238E27FC236}">
-                  <a16:creationId xmlns:a16="http://schemas.microsoft.com/office/drawing/2014/main" xmlns="" id="{49303F14-E560-4C02-94F4-B4695FE26813}"/>
+                  <a16:creationId xmlns:a16="http://schemas.microsoft.com/office/drawing/2014/main" id="{49303F14-E560-4C02-94F4-B4695FE26813}"/>
                 </a:ext>
               </a:extLst>
             </p:cNvPr>
@@ -1833,7 +1844,7 @@
     </p:spTree>
     <p:extLst>
       <p:ext uri="{BB962C8B-B14F-4D97-AF65-F5344CB8AC3E}">
-        <p14:creationId xmlns:p14="http://schemas.microsoft.com/office/powerpoint/2010/main" xmlns="" val="3157960259"/>
+        <p14:creationId xmlns:p14="http://schemas.microsoft.com/office/powerpoint/2010/main" val="3157960259"/>
       </p:ext>
     </p:extLst>
   </p:cSld>
@@ -2123,7 +2134,7 @@
     </p:spTree>
     <p:extLst>
       <p:ext uri="{BB962C8B-B14F-4D97-AF65-F5344CB8AC3E}">
-        <p14:creationId xmlns:p14="http://schemas.microsoft.com/office/powerpoint/2010/main" xmlns="" val="1819987573"/>
+        <p14:creationId xmlns:p14="http://schemas.microsoft.com/office/powerpoint/2010/main" val="1819987573"/>
       </p:ext>
     </p:extLst>
   </p:cSld>
@@ -2562,7 +2573,7 @@
     </p:spTree>
     <p:extLst>
       <p:ext uri="{BB962C8B-B14F-4D97-AF65-F5344CB8AC3E}">
-        <p14:creationId xmlns:p14="http://schemas.microsoft.com/office/powerpoint/2010/main" xmlns="" val="2537686888"/>
+        <p14:creationId xmlns:p14="http://schemas.microsoft.com/office/powerpoint/2010/main" val="2537686888"/>
       </p:ext>
     </p:extLst>
   </p:cSld>
@@ -2682,7 +2693,7 @@
     </p:spTree>
     <p:extLst>
       <p:ext uri="{BB962C8B-B14F-4D97-AF65-F5344CB8AC3E}">
-        <p14:creationId xmlns:p14="http://schemas.microsoft.com/office/powerpoint/2010/main" xmlns="" val="1071967400"/>
+        <p14:creationId xmlns:p14="http://schemas.microsoft.com/office/powerpoint/2010/main" val="1071967400"/>
       </p:ext>
     </p:extLst>
   </p:cSld>
@@ -2779,7 +2790,7 @@
     </p:spTree>
     <p:extLst>
       <p:ext uri="{BB962C8B-B14F-4D97-AF65-F5344CB8AC3E}">
-        <p14:creationId xmlns:p14="http://schemas.microsoft.com/office/powerpoint/2010/main" xmlns="" val="4097824603"/>
+        <p14:creationId xmlns:p14="http://schemas.microsoft.com/office/powerpoint/2010/main" val="4097824603"/>
       </p:ext>
     </p:extLst>
   </p:cSld>
@@ -2811,7 +2822,7 @@
           <p:cNvPr id="10" name="Rectangle 9">
             <a:extLst>
               <a:ext uri="{FF2B5EF4-FFF2-40B4-BE49-F238E27FC236}">
-                <a16:creationId xmlns:a16="http://schemas.microsoft.com/office/drawing/2014/main" xmlns="" id="{D5E1BBF9-8BEF-4353-BA68-30AAF9EBD8D8}"/>
+                <a16:creationId xmlns:a16="http://schemas.microsoft.com/office/drawing/2014/main" id="{D5E1BBF9-8BEF-4353-BA68-30AAF9EBD8D8}"/>
               </a:ext>
             </a:extLst>
           </p:cNvPr>
@@ -2858,7 +2869,7 @@
           <p:cNvPr id="13" name="Rectangle 12">
             <a:extLst>
               <a:ext uri="{FF2B5EF4-FFF2-40B4-BE49-F238E27FC236}">
-                <a16:creationId xmlns:a16="http://schemas.microsoft.com/office/drawing/2014/main" xmlns="" id="{5B941C21-2A5D-4912-AB06-1BB0C0EB6AE1}"/>
+                <a16:creationId xmlns:a16="http://schemas.microsoft.com/office/drawing/2014/main" id="{5B941C21-2A5D-4912-AB06-1BB0C0EB6AE1}"/>
               </a:ext>
             </a:extLst>
           </p:cNvPr>
@@ -3223,7 +3234,7 @@
     </p:spTree>
     <p:extLst>
       <p:ext uri="{BB962C8B-B14F-4D97-AF65-F5344CB8AC3E}">
-        <p14:creationId xmlns:p14="http://schemas.microsoft.com/office/powerpoint/2010/main" xmlns="" val="3268863532"/>
+        <p14:creationId xmlns:p14="http://schemas.microsoft.com/office/powerpoint/2010/main" val="3268863532"/>
       </p:ext>
     </p:extLst>
   </p:cSld>
@@ -3255,7 +3266,7 @@
           <p:cNvPr id="11" name="Rectangle 10">
             <a:extLst>
               <a:ext uri="{FF2B5EF4-FFF2-40B4-BE49-F238E27FC236}">
-                <a16:creationId xmlns:a16="http://schemas.microsoft.com/office/drawing/2014/main" xmlns="" id="{E687CA98-D9C7-497F-A1DA-7D22F8753BCE}"/>
+                <a16:creationId xmlns:a16="http://schemas.microsoft.com/office/drawing/2014/main" id="{E687CA98-D9C7-497F-A1DA-7D22F8753BCE}"/>
               </a:ext>
             </a:extLst>
           </p:cNvPr>
@@ -3492,7 +3503,7 @@
           <p:cNvPr id="12" name="Rectangle 11">
             <a:extLst>
               <a:ext uri="{FF2B5EF4-FFF2-40B4-BE49-F238E27FC236}">
-                <a16:creationId xmlns:a16="http://schemas.microsoft.com/office/drawing/2014/main" xmlns="" id="{F8B3D8CC-BB13-41A5-8F34-B8E84A4F9534}"/>
+                <a16:creationId xmlns:a16="http://schemas.microsoft.com/office/drawing/2014/main" id="{F8B3D8CC-BB13-41A5-8F34-B8E84A4F9534}"/>
               </a:ext>
             </a:extLst>
           </p:cNvPr>
@@ -3657,7 +3668,7 @@
     </p:spTree>
     <p:extLst>
       <p:ext uri="{BB962C8B-B14F-4D97-AF65-F5344CB8AC3E}">
-        <p14:creationId xmlns:p14="http://schemas.microsoft.com/office/powerpoint/2010/main" xmlns="" val="4291304253"/>
+        <p14:creationId xmlns:p14="http://schemas.microsoft.com/office/powerpoint/2010/main" val="4291304253"/>
       </p:ext>
     </p:extLst>
   </p:cSld>
@@ -3694,7 +3705,7 @@
           <p:cNvPr id="9" name="Rectangle 8">
             <a:extLst>
               <a:ext uri="{FF2B5EF4-FFF2-40B4-BE49-F238E27FC236}">
-                <a16:creationId xmlns:a16="http://schemas.microsoft.com/office/drawing/2014/main" xmlns="" id="{1E94681D-2A4C-4A8D-B9B5-31D440D0328D}"/>
+                <a16:creationId xmlns:a16="http://schemas.microsoft.com/office/drawing/2014/main" id="{1E94681D-2A4C-4A8D-B9B5-31D440D0328D}"/>
               </a:ext>
             </a:extLst>
           </p:cNvPr>
@@ -4017,7 +4028,7 @@
     </p:spTree>
     <p:extLst>
       <p:ext uri="{BB962C8B-B14F-4D97-AF65-F5344CB8AC3E}">
-        <p14:creationId xmlns:p14="http://schemas.microsoft.com/office/powerpoint/2010/main" xmlns="" val="3113215699"/>
+        <p14:creationId xmlns:p14="http://schemas.microsoft.com/office/powerpoint/2010/main" val="3113215699"/>
       </p:ext>
     </p:extLst>
   </p:cSld>
@@ -4410,10 +4421,10 @@
           <p:cNvPr id="6" name="Picture 5">
             <a:extLst>
               <a:ext uri="{FF2B5EF4-FFF2-40B4-BE49-F238E27FC236}">
-                <a16:creationId xmlns:a16="http://schemas.microsoft.com/office/drawing/2014/main" xmlns="" id="{D9F73848-91FE-4D29-B0DC-BFC408416682}"/>
+                <a16:creationId xmlns:a16="http://schemas.microsoft.com/office/drawing/2014/main" id="{D9F73848-91FE-4D29-B0DC-BFC408416682}"/>
               </a:ext>
               <a:ext uri="{C183D7F6-B498-43B3-948B-1728B52AA6E4}">
-                <adec:decorative xmlns:adec="http://schemas.microsoft.com/office/drawing/2017/decorative" xmlns="" val="1"/>
+                <adec:decorative xmlns:adec="http://schemas.microsoft.com/office/drawing/2017/decorative" val="1"/>
               </a:ext>
             </a:extLst>
           </p:cNvPr>
@@ -4426,7 +4437,7 @@
           <a:blip r:embed="rId3">
             <a:extLst>
               <a:ext uri="{28A0092B-C50C-407E-A947-70E740481C1C}">
-                <a14:useLocalDpi xmlns:a14="http://schemas.microsoft.com/office/drawing/2010/main" xmlns="" val="0"/>
+                <a14:useLocalDpi xmlns:a14="http://schemas.microsoft.com/office/drawing/2010/main" val="0"/>
               </a:ext>
             </a:extLst>
           </a:blip>
@@ -4448,10 +4459,10 @@
           <p:cNvPr id="89" name="Rectangle 88">
             <a:extLst>
               <a:ext uri="{FF2B5EF4-FFF2-40B4-BE49-F238E27FC236}">
-                <a16:creationId xmlns:a16="http://schemas.microsoft.com/office/drawing/2014/main" xmlns="" id="{2644B391-9BFE-445C-A9EC-F544BB85FBC7}"/>
+                <a16:creationId xmlns:a16="http://schemas.microsoft.com/office/drawing/2014/main" id="{2644B391-9BFE-445C-A9EC-F544BB85FBC7}"/>
               </a:ext>
               <a:ext uri="{C183D7F6-B498-43B3-948B-1728B52AA6E4}">
-                <adec:decorative xmlns:adec="http://schemas.microsoft.com/office/drawing/2017/decorative" xmlns="" val="1"/>
+                <adec:decorative xmlns:adec="http://schemas.microsoft.com/office/drawing/2017/decorative" val="1"/>
               </a:ext>
             </a:extLst>
           </p:cNvPr>
@@ -4461,7 +4472,7 @@
           <p:nvPr>
             <p:extLst>
               <p:ext uri="{386F3935-93C4-4BCD-93E2-E3B085C9AB24}">
-                <p16:designElem xmlns:p16="http://schemas.microsoft.com/office/powerpoint/2015/main" xmlns="" val="1"/>
+                <p16:designElem xmlns:p16="http://schemas.microsoft.com/office/powerpoint/2015/main" val="1"/>
               </p:ext>
             </p:extLst>
           </p:nvPr>
@@ -4493,10 +4504,10 @@
           <p:cNvPr id="91" name="Rectangle 90">
             <a:extLst>
               <a:ext uri="{FF2B5EF4-FFF2-40B4-BE49-F238E27FC236}">
-                <a16:creationId xmlns:a16="http://schemas.microsoft.com/office/drawing/2014/main" xmlns="" id="{80F26E69-87D9-4655-AE7B-280A87AA3CAD}"/>
+                <a16:creationId xmlns:a16="http://schemas.microsoft.com/office/drawing/2014/main" id="{80F26E69-87D9-4655-AE7B-280A87AA3CAD}"/>
               </a:ext>
               <a:ext uri="{C183D7F6-B498-43B3-948B-1728B52AA6E4}">
-                <adec:decorative xmlns:adec="http://schemas.microsoft.com/office/drawing/2017/decorative" xmlns="" val="1"/>
+                <adec:decorative xmlns:adec="http://schemas.microsoft.com/office/drawing/2017/decorative" val="1"/>
               </a:ext>
             </a:extLst>
           </p:cNvPr>
@@ -4506,7 +4517,7 @@
           <p:nvPr>
             <p:extLst>
               <p:ext uri="{386F3935-93C4-4BCD-93E2-E3B085C9AB24}">
-                <p16:designElem xmlns:p16="http://schemas.microsoft.com/office/powerpoint/2015/main" xmlns="" val="1"/>
+                <p16:designElem xmlns:p16="http://schemas.microsoft.com/office/powerpoint/2015/main" val="1"/>
               </p:ext>
             </p:extLst>
           </p:nvPr>
@@ -4537,7 +4548,7 @@
           <p:cNvPr id="2" name="Title 1">
             <a:extLst>
               <a:ext uri="{FF2B5EF4-FFF2-40B4-BE49-F238E27FC236}">
-                <a16:creationId xmlns:a16="http://schemas.microsoft.com/office/drawing/2014/main" xmlns="" id="{18C3B467-088C-4F3D-A9A7-105C4E1E20CD}"/>
+                <a16:creationId xmlns:a16="http://schemas.microsoft.com/office/drawing/2014/main" id="{18C3B467-088C-4F3D-A9A7-105C4E1E20CD}"/>
               </a:ext>
             </a:extLst>
           </p:cNvPr>
@@ -4591,7 +4602,7 @@
           <p:cNvPr id="3" name="Subtitle 2">
             <a:extLst>
               <a:ext uri="{FF2B5EF4-FFF2-40B4-BE49-F238E27FC236}">
-                <a16:creationId xmlns:a16="http://schemas.microsoft.com/office/drawing/2014/main" xmlns="" id="{C8722DDC-8EEE-4A06-8DFE-B44871EAA2CF}"/>
+                <a16:creationId xmlns:a16="http://schemas.microsoft.com/office/drawing/2014/main" id="{C8722DDC-8EEE-4A06-8DFE-B44871EAA2CF}"/>
               </a:ext>
             </a:extLst>
           </p:cNvPr>
@@ -4648,7 +4659,7 @@
     </p:spTree>
     <p:extLst>
       <p:ext uri="{BB962C8B-B14F-4D97-AF65-F5344CB8AC3E}">
-        <p14:creationId xmlns:p14="http://schemas.microsoft.com/office/powerpoint/2010/main" xmlns="" val="4269681522"/>
+        <p14:creationId xmlns:p14="http://schemas.microsoft.com/office/powerpoint/2010/main" val="4269681522"/>
       </p:ext>
     </p:extLst>
   </p:cSld>
@@ -4683,7 +4694,7 @@
           <p:cNvPr id="2" name="Title 1">
             <a:extLst>
               <a:ext uri="{FF2B5EF4-FFF2-40B4-BE49-F238E27FC236}">
-                <a16:creationId xmlns:a16="http://schemas.microsoft.com/office/drawing/2014/main" xmlns="" id="{8C7A44DD-913F-402D-AF3E-1AD2DCAEB40B}"/>
+                <a16:creationId xmlns:a16="http://schemas.microsoft.com/office/drawing/2014/main" id="{8C7A44DD-913F-402D-AF3E-1AD2DCAEB40B}"/>
               </a:ext>
             </a:extLst>
           </p:cNvPr>
@@ -4711,7 +4722,7 @@
           <p:cNvPr id="3" name="Content Placeholder 2">
             <a:extLst>
               <a:ext uri="{FF2B5EF4-FFF2-40B4-BE49-F238E27FC236}">
-                <a16:creationId xmlns:a16="http://schemas.microsoft.com/office/drawing/2014/main" xmlns="" id="{40B111FD-3ECB-4C98-8994-C905EF654C63}"/>
+                <a16:creationId xmlns:a16="http://schemas.microsoft.com/office/drawing/2014/main" id="{40B111FD-3ECB-4C98-8994-C905EF654C63}"/>
               </a:ext>
             </a:extLst>
           </p:cNvPr>
@@ -4729,11 +4740,7 @@
           <a:p>
             <a:r>
               <a:rPr lang="en-US" sz="2000" dirty="0"/>
-              <a:t>Provide a </a:t>
-            </a:r>
-            <a:r>
-              <a:rPr lang="en-US" sz="2000" dirty="0" smtClean="0"/>
-              <a:t>platform for Patients and Doctors</a:t>
+              <a:t>Provide a platform for Patients and Doctors</a:t>
             </a:r>
           </a:p>
           <a:p>
@@ -4742,21 +4749,8 @@
           <a:p>
             <a:r>
               <a:rPr lang="en-US" sz="2000" dirty="0"/>
-              <a:t>User is free to </a:t>
-            </a:r>
-            <a:r>
-              <a:rPr lang="en-US" sz="2000" dirty="0" smtClean="0"/>
-              <a:t>choose</a:t>
-            </a:r>
-            <a:r>
-              <a:rPr lang="en-US" sz="2000" dirty="0" smtClean="0"/>
-              <a:t> </a:t>
-            </a:r>
-            <a:r>
-              <a:rPr lang="en-US" sz="2000" dirty="0" smtClean="0"/>
-              <a:t>his options</a:t>
-            </a:r>
-            <a:endParaRPr lang="en-US" sz="2000" dirty="0" smtClean="0"/>
+              <a:t>User is free to choose his or her options</a:t>
+            </a:r>
           </a:p>
           <a:p>
             <a:endParaRPr lang="en-US" sz="2000" dirty="0"/>
@@ -4764,11 +4758,7 @@
           <a:p>
             <a:r>
               <a:rPr lang="en-US" sz="2000" dirty="0"/>
-              <a:t>Harness the power technology for mental </a:t>
-            </a:r>
-            <a:r>
-              <a:rPr lang="en-US" sz="2000" dirty="0" smtClean="0"/>
-              <a:t>health</a:t>
+              <a:t>Harness the power technology for mental health</a:t>
             </a:r>
           </a:p>
           <a:p>
@@ -4777,13 +4767,8 @@
           <a:p>
             <a:r>
               <a:rPr lang="en-US" sz="2000" dirty="0"/>
-              <a:t>Demand drives the </a:t>
-            </a:r>
-            <a:r>
-              <a:rPr lang="en-US" sz="2000" dirty="0" smtClean="0"/>
-              <a:t>market formula for growth</a:t>
-            </a:r>
-            <a:endParaRPr lang="en-US" sz="2000" dirty="0"/>
+              <a:t>Demand drives the market formula for growth</a:t>
+            </a:r>
           </a:p>
           <a:p>
             <a:endParaRPr lang="en-US" dirty="0"/>
@@ -4793,7 +4778,7 @@
     </p:spTree>
     <p:extLst>
       <p:ext uri="{BB962C8B-B14F-4D97-AF65-F5344CB8AC3E}">
-        <p14:creationId xmlns:p14="http://schemas.microsoft.com/office/powerpoint/2010/main" xmlns="" val="640979745"/>
+        <p14:creationId xmlns:p14="http://schemas.microsoft.com/office/powerpoint/2010/main" val="640979745"/>
       </p:ext>
     </p:extLst>
   </p:cSld>
@@ -4828,7 +4813,7 @@
           <p:cNvPr id="2" name="Title 1">
             <a:extLst>
               <a:ext uri="{FF2B5EF4-FFF2-40B4-BE49-F238E27FC236}">
-                <a16:creationId xmlns:a16="http://schemas.microsoft.com/office/drawing/2014/main" xmlns="" id="{0CB84B6F-4907-49A0-BA87-3F7F4033D9D0}"/>
+                <a16:creationId xmlns:a16="http://schemas.microsoft.com/office/drawing/2014/main" id="{0CB84B6F-4907-49A0-BA87-3F7F4033D9D0}"/>
               </a:ext>
             </a:extLst>
           </p:cNvPr>
@@ -4856,7 +4841,7 @@
           <p:cNvPr id="3" name="Content Placeholder 2">
             <a:extLst>
               <a:ext uri="{FF2B5EF4-FFF2-40B4-BE49-F238E27FC236}">
-                <a16:creationId xmlns:a16="http://schemas.microsoft.com/office/drawing/2014/main" xmlns="" id="{A7A26E6C-E5CC-4AEC-8DCA-9F6B49639DF8}"/>
+                <a16:creationId xmlns:a16="http://schemas.microsoft.com/office/drawing/2014/main" id="{A7A26E6C-E5CC-4AEC-8DCA-9F6B49639DF8}"/>
               </a:ext>
             </a:extLst>
           </p:cNvPr>
@@ -4891,6 +4876,13 @@
           </a:p>
           <a:p>
             <a:r>
+              <a:rPr lang="en-US" sz="2000"/>
+              <a:t>Providing flexibility to scheduling.</a:t>
+            </a:r>
+            <a:endParaRPr lang="en-US" sz="2000" dirty="0"/>
+          </a:p>
+          <a:p>
+            <a:r>
               <a:rPr lang="en-US" sz="2000" dirty="0"/>
               <a:t>Current implementations are not widely used.</a:t>
             </a:r>
@@ -4905,12 +4897,6 @@
             <a:r>
               <a:rPr lang="en-US" sz="2000" dirty="0"/>
               <a:t>Looking at the long-term impacts of the pandemic.</a:t>
-            </a:r>
-          </a:p>
-          <a:p>
-            <a:r>
-              <a:rPr lang="en-US" sz="2000" dirty="0"/>
-              <a:t>Providing flexibility to scheduling.</a:t>
             </a:r>
           </a:p>
           <a:p>
@@ -4927,7 +4913,7 @@
     </p:spTree>
     <p:extLst>
       <p:ext uri="{BB962C8B-B14F-4D97-AF65-F5344CB8AC3E}">
-        <p14:creationId xmlns:p14="http://schemas.microsoft.com/office/powerpoint/2010/main" xmlns="" val="2374055369"/>
+        <p14:creationId xmlns:p14="http://schemas.microsoft.com/office/powerpoint/2010/main" val="2374055369"/>
       </p:ext>
     </p:extLst>
   </p:cSld>
@@ -4962,7 +4948,7 @@
           <p:cNvPr id="2" name="Title 1">
             <a:extLst>
               <a:ext uri="{FF2B5EF4-FFF2-40B4-BE49-F238E27FC236}">
-                <a16:creationId xmlns:a16="http://schemas.microsoft.com/office/drawing/2014/main" xmlns="" id="{0840957D-2337-4135-8F02-53B2174EA0AC}"/>
+                <a16:creationId xmlns:a16="http://schemas.microsoft.com/office/drawing/2014/main" id="{0840957D-2337-4135-8F02-53B2174EA0AC}"/>
               </a:ext>
             </a:extLst>
           </p:cNvPr>
@@ -4990,7 +4976,7 @@
           <p:cNvPr id="3" name="Content Placeholder 2">
             <a:extLst>
               <a:ext uri="{FF2B5EF4-FFF2-40B4-BE49-F238E27FC236}">
-                <a16:creationId xmlns:a16="http://schemas.microsoft.com/office/drawing/2014/main" xmlns="" id="{14AA90AB-6E21-4AF3-80BC-7F3EBB7AA61C}"/>
+                <a16:creationId xmlns:a16="http://schemas.microsoft.com/office/drawing/2014/main" id="{14AA90AB-6E21-4AF3-80BC-7F3EBB7AA61C}"/>
               </a:ext>
             </a:extLst>
           </p:cNvPr>
@@ -5060,7 +5046,7 @@
     </p:spTree>
     <p:extLst>
       <p:ext uri="{BB962C8B-B14F-4D97-AF65-F5344CB8AC3E}">
-        <p14:creationId xmlns:p14="http://schemas.microsoft.com/office/powerpoint/2010/main" xmlns="" val="3188814254"/>
+        <p14:creationId xmlns:p14="http://schemas.microsoft.com/office/powerpoint/2010/main" val="3188814254"/>
       </p:ext>
     </p:extLst>
   </p:cSld>
@@ -5095,7 +5081,7 @@
           <p:cNvPr id="2" name="Title 1">
             <a:extLst>
               <a:ext uri="{FF2B5EF4-FFF2-40B4-BE49-F238E27FC236}">
-                <a16:creationId xmlns:a16="http://schemas.microsoft.com/office/drawing/2014/main" xmlns="" id="{84491199-677D-439A-B534-61C3E648C92C}"/>
+                <a16:creationId xmlns:a16="http://schemas.microsoft.com/office/drawing/2014/main" id="{84491199-677D-439A-B534-61C3E648C92C}"/>
               </a:ext>
             </a:extLst>
           </p:cNvPr>
@@ -5112,10 +5098,9 @@
           <a:lstStyle/>
           <a:p>
             <a:r>
-              <a:rPr lang="en-US" dirty="0" smtClean="0"/>
+              <a:rPr lang="en-US" dirty="0"/>
               <a:t>Comparison with Current Systems</a:t>
             </a:r>
-            <a:endParaRPr lang="en-US" dirty="0"/>
           </a:p>
         </p:txBody>
       </p:sp>
@@ -5124,7 +5109,7 @@
           <p:cNvPr id="3" name="Content Placeholder 2">
             <a:extLst>
               <a:ext uri="{FF2B5EF4-FFF2-40B4-BE49-F238E27FC236}">
-                <a16:creationId xmlns:a16="http://schemas.microsoft.com/office/drawing/2014/main" xmlns="" id="{B25F9EE5-1266-4F6B-93DA-AF6AB50BBF5B}"/>
+                <a16:creationId xmlns:a16="http://schemas.microsoft.com/office/drawing/2014/main" id="{B25F9EE5-1266-4F6B-93DA-AF6AB50BBF5B}"/>
               </a:ext>
             </a:extLst>
           </p:cNvPr>
@@ -5144,15 +5129,7 @@
           <a:p>
             <a:r>
               <a:rPr lang="en-US" sz="2000" dirty="0"/>
-              <a:t>Focusing </a:t>
-            </a:r>
-            <a:r>
-              <a:rPr lang="en-US" sz="2000" dirty="0" smtClean="0"/>
-              <a:t>only on </a:t>
-            </a:r>
-            <a:r>
-              <a:rPr lang="en-US" sz="2000" dirty="0"/>
-              <a:t>scope of mental-health</a:t>
+              <a:t>Focusing only on scope of mental-health</a:t>
             </a:r>
           </a:p>
           <a:p>
@@ -5211,7 +5188,7 @@
     </p:spTree>
     <p:extLst>
       <p:ext uri="{BB962C8B-B14F-4D97-AF65-F5344CB8AC3E}">
-        <p14:creationId xmlns:p14="http://schemas.microsoft.com/office/powerpoint/2010/main" xmlns="" val="1962360033"/>
+        <p14:creationId xmlns:p14="http://schemas.microsoft.com/office/powerpoint/2010/main" val="1962360033"/>
       </p:ext>
     </p:extLst>
   </p:cSld>
@@ -5246,7 +5223,7 @@
           <p:cNvPr id="2" name="Title 1">
             <a:extLst>
               <a:ext uri="{FF2B5EF4-FFF2-40B4-BE49-F238E27FC236}">
-                <a16:creationId xmlns:a16="http://schemas.microsoft.com/office/drawing/2014/main" xmlns="" id="{2CA0A55B-599D-4FD0-A372-4BB9756BA49B}"/>
+                <a16:creationId xmlns:a16="http://schemas.microsoft.com/office/drawing/2014/main" id="{2CA0A55B-599D-4FD0-A372-4BB9756BA49B}"/>
               </a:ext>
             </a:extLst>
           </p:cNvPr>
@@ -5274,7 +5251,7 @@
           <p:cNvPr id="3" name="Content Placeholder 2">
             <a:extLst>
               <a:ext uri="{FF2B5EF4-FFF2-40B4-BE49-F238E27FC236}">
-                <a16:creationId xmlns:a16="http://schemas.microsoft.com/office/drawing/2014/main" xmlns="" id="{AC68CFB4-6111-43DC-89CC-95E014243119}"/>
+                <a16:creationId xmlns:a16="http://schemas.microsoft.com/office/drawing/2014/main" id="{AC68CFB4-6111-43DC-89CC-95E014243119}"/>
               </a:ext>
             </a:extLst>
           </p:cNvPr>
@@ -5332,7 +5309,7 @@
     </p:spTree>
     <p:extLst>
       <p:ext uri="{BB962C8B-B14F-4D97-AF65-F5344CB8AC3E}">
-        <p14:creationId xmlns:p14="http://schemas.microsoft.com/office/powerpoint/2010/main" xmlns="" val="3376915655"/>
+        <p14:creationId xmlns:p14="http://schemas.microsoft.com/office/powerpoint/2010/main" val="3376915655"/>
       </p:ext>
     </p:extLst>
   </p:cSld>
@@ -5367,7 +5344,7 @@
           <p:cNvPr id="2" name="Title 1">
             <a:extLst>
               <a:ext uri="{FF2B5EF4-FFF2-40B4-BE49-F238E27FC236}">
-                <a16:creationId xmlns:a16="http://schemas.microsoft.com/office/drawing/2014/main" xmlns="" id="{031EDFDF-FF3F-4DA2-A872-91FF2534315C}"/>
+                <a16:creationId xmlns:a16="http://schemas.microsoft.com/office/drawing/2014/main" id="{031EDFDF-FF3F-4DA2-A872-91FF2534315C}"/>
               </a:ext>
             </a:extLst>
           </p:cNvPr>
@@ -5395,7 +5372,7 @@
           <p:cNvPr id="3" name="Content Placeholder 2">
             <a:extLst>
               <a:ext uri="{FF2B5EF4-FFF2-40B4-BE49-F238E27FC236}">
-                <a16:creationId xmlns:a16="http://schemas.microsoft.com/office/drawing/2014/main" xmlns="" id="{F1384177-FFFE-4605-B689-D56185CBD0FD}"/>
+                <a16:creationId xmlns:a16="http://schemas.microsoft.com/office/drawing/2014/main" id="{F1384177-FFFE-4605-B689-D56185CBD0FD}"/>
               </a:ext>
             </a:extLst>
           </p:cNvPr>
@@ -5444,7 +5421,7 @@
     </p:spTree>
     <p:extLst>
       <p:ext uri="{BB962C8B-B14F-4D97-AF65-F5344CB8AC3E}">
-        <p14:creationId xmlns:p14="http://schemas.microsoft.com/office/powerpoint/2010/main" xmlns="" val="3117062561"/>
+        <p14:creationId xmlns:p14="http://schemas.microsoft.com/office/powerpoint/2010/main" val="3117062561"/>
       </p:ext>
     </p:extLst>
   </p:cSld>
@@ -5490,10 +5467,9 @@
           <a:lstStyle/>
           <a:p>
             <a:r>
-              <a:rPr lang="en-IN" dirty="0" smtClean="0"/>
+              <a:rPr lang="en-IN" dirty="0"/>
               <a:t>Conclusion</a:t>
             </a:r>
-            <a:endParaRPr lang="en-IN" dirty="0"/>
           </a:p>
         </p:txBody>
       </p:sp>
@@ -5515,49 +5491,45 @@
           <a:lstStyle/>
           <a:p>
             <a:r>
-              <a:rPr lang="en-IN" sz="2000" dirty="0" smtClean="0"/>
-              <a:t>Website with Clean, Easy </a:t>
-            </a:r>
-            <a:r>
-              <a:rPr lang="en-IN" sz="2000" dirty="0" smtClean="0"/>
-              <a:t>and Simple UI/UX </a:t>
+              <a:rPr lang="en-IN" sz="2000" dirty="0"/>
+              <a:t>Website with Clean, Easy and Simple UI/UX </a:t>
             </a:r>
           </a:p>
           <a:p>
             <a:pPr>
               <a:buNone/>
             </a:pPr>
-            <a:endParaRPr lang="en-IN" sz="2000" dirty="0" smtClean="0"/>
-          </a:p>
-          <a:p>
-            <a:r>
-              <a:rPr lang="en-IN" sz="2000" dirty="0" smtClean="0"/>
+            <a:endParaRPr lang="en-IN" sz="2000" dirty="0"/>
+          </a:p>
+          <a:p>
+            <a:r>
+              <a:rPr lang="en-IN" sz="2000" dirty="0"/>
               <a:t>Hopes to tackle issue of Mental Health</a:t>
             </a:r>
           </a:p>
           <a:p>
-            <a:endParaRPr lang="en-IN" sz="2000" dirty="0" smtClean="0"/>
-          </a:p>
-          <a:p>
-            <a:r>
-              <a:rPr lang="en-IN" sz="2000" dirty="0" smtClean="0"/>
+            <a:endParaRPr lang="en-IN" sz="2000" dirty="0"/>
+          </a:p>
+          <a:p>
+            <a:r>
+              <a:rPr lang="en-IN" sz="2000" dirty="0"/>
               <a:t>Web Technology meets Health</a:t>
             </a:r>
           </a:p>
           <a:p>
-            <a:endParaRPr lang="en-IN" sz="2000" dirty="0" smtClean="0"/>
+            <a:endParaRPr lang="en-IN" sz="2000" dirty="0"/>
           </a:p>
           <a:p>
             <a:pPr>
               <a:buNone/>
             </a:pPr>
-            <a:endParaRPr lang="en-IN" sz="2000" dirty="0" smtClean="0"/>
-          </a:p>
-          <a:p>
-            <a:endParaRPr lang="en-IN" sz="2000" dirty="0" smtClean="0"/>
-          </a:p>
-          <a:p>
-            <a:endParaRPr lang="en-IN" sz="2000" dirty="0" smtClean="0"/>
+            <a:endParaRPr lang="en-IN" sz="2000" dirty="0"/>
+          </a:p>
+          <a:p>
+            <a:endParaRPr lang="en-IN" sz="2000" dirty="0"/>
+          </a:p>
+          <a:p>
+            <a:endParaRPr lang="en-IN" sz="2000" dirty="0"/>
           </a:p>
           <a:p>
             <a:endParaRPr lang="en-IN" sz="2000" dirty="0"/>
@@ -5613,32 +5585,24 @@
           <a:p>
             <a:pPr algn="ctr"/>
             <a:r>
-              <a:rPr lang="en-IN" dirty="0" smtClean="0"/>
+              <a:rPr lang="en-IN" dirty="0"/>
               <a:t>Thank You !</a:t>
             </a:r>
             <a:br>
-              <a:rPr lang="en-IN" dirty="0" smtClean="0"/>
+              <a:rPr lang="en-IN" dirty="0"/>
             </a:br>
-            <a:r>
-              <a:rPr lang="en-IN" dirty="0" smtClean="0"/>
-              <a:t/>
-            </a:r>
             <a:br>
-              <a:rPr lang="en-IN" dirty="0" smtClean="0"/>
+              <a:rPr lang="en-IN" dirty="0"/>
             </a:br>
-            <a:r>
-              <a:rPr lang="en-IN" dirty="0" smtClean="0"/>
-              <a:t/>
-            </a:r>
             <a:br>
-              <a:rPr lang="en-IN" dirty="0" smtClean="0"/>
+              <a:rPr lang="en-IN" dirty="0"/>
             </a:br>
             <a:r>
-              <a:rPr lang="en-IN" dirty="0" smtClean="0"/>
+              <a:rPr lang="en-IN" dirty="0"/>
               <a:t>Questions?</a:t>
             </a:r>
             <a:br>
-              <a:rPr lang="en-IN" dirty="0" smtClean="0"/>
+              <a:rPr lang="en-IN" dirty="0"/>
             </a:br>
             <a:endParaRPr lang="en-IN" dirty="0"/>
           </a:p>
@@ -5922,7 +5886,7 @@
   <a:extraClrSchemeLst/>
   <a:extLst>
     <a:ext uri="{05A4C25C-085E-4340-85A3-A5531E510DB2}">
-      <thm15:themeFamily xmlns:thm15="http://schemas.microsoft.com/office/thememl/2012/main" xmlns="" name="SavonVTI" id="{A72E8C35-66DD-49F8-AF66-813F19B983AE}" vid="{93CCBC76-B7A1-4C3D-93EA-5CE34C4670F9}"/>
+      <thm15:themeFamily xmlns:thm15="http://schemas.microsoft.com/office/thememl/2012/main" name="SavonVTI" id="{A72E8C35-66DD-49F8-AF66-813F19B983AE}" vid="{93CCBC76-B7A1-4C3D-93EA-5CE34C4670F9}"/>
     </a:ext>
   </a:extLst>
 </a:theme>
@@ -5972,24 +5936,6 @@
 </file>
 
 <file path=customXml/item1.xml><?xml version="1.0" encoding="utf-8"?>
-<p:properties xmlns:p="http://schemas.microsoft.com/office/2006/metadata/properties" xmlns:xsi="http://www.w3.org/2001/XMLSchema-instance" xmlns:pc="http://schemas.microsoft.com/office/infopath/2007/PartnerControls">
-  <documentManagement>
-    <Status xmlns="71af3243-3dd4-4a8d-8c0d-dd76da1f02a5">Not started</Status>
-    <MediaServiceKeyPoints xmlns="71af3243-3dd4-4a8d-8c0d-dd76da1f02a5" xsi:nil="true"/>
-  </documentManagement>
-</p:properties>
-</file>
-
-<file path=customXml/item2.xml><?xml version="1.0" encoding="utf-8"?>
-<?mso-contentType ?>
-<FormTemplates xmlns="http://schemas.microsoft.com/sharepoint/v3/contenttype/forms">
-  <Display>DocumentLibraryForm</Display>
-  <Edit>DocumentLibraryForm</Edit>
-  <New>DocumentLibraryForm</New>
-</FormTemplates>
-</file>
-
-<file path=customXml/item3.xml><?xml version="1.0" encoding="utf-8"?>
 <ct:contentTypeSchema xmlns:ct="http://schemas.microsoft.com/office/2006/metadata/contentType" xmlns:ma="http://schemas.microsoft.com/office/2006/metadata/properties/metaAttributes" ct:_="" ma:_="" ma:contentTypeName="Document" ma:contentTypeID="0x01010079F111ED35F8CC479449609E8A0923A6" ma:contentTypeVersion="12" ma:contentTypeDescription="Create a new document." ma:contentTypeScope="" ma:versionID="a410dd7f93c95333ffa1b60ed6adedd1">
   <xsd:schema xmlns:xsd="http://www.w3.org/2001/XMLSchema" xmlns:xs="http://www.w3.org/2001/XMLSchema" xmlns:p="http://schemas.microsoft.com/office/2006/metadata/properties" xmlns:ns2="71af3243-3dd4-4a8d-8c0d-dd76da1f02a5" xmlns:ns3="16c05727-aa75-4e4a-9b5f-8a80a1165891" targetNamespace="http://schemas.microsoft.com/office/2006/metadata/properties" ma:root="true" ma:fieldsID="a936d9baba76aa3866493feff160faab" ns2:_="" ns3:_="">
     <xsd:import namespace="71af3243-3dd4-4a8d-8c0d-dd76da1f02a5"/>
@@ -6210,25 +6156,25 @@
 </ct:contentTypeSchema>
 </file>
 
-<file path=customXml/itemProps1.xml><?xml version="1.0" encoding="utf-8"?>
-<ds:datastoreItem xmlns:ds="http://schemas.openxmlformats.org/officeDocument/2006/customXml" ds:itemID="{B975FBC4-9D33-46BE-911D-419763BA9AF9}">
-  <ds:schemaRefs>
-    <ds:schemaRef ds:uri="http://schemas.microsoft.com/office/2006/metadata/properties"/>
-    <ds:schemaRef ds:uri="http://schemas.microsoft.com/office/infopath/2007/PartnerControls"/>
-    <ds:schemaRef ds:uri="71af3243-3dd4-4a8d-8c0d-dd76da1f02a5"/>
-  </ds:schemaRefs>
-</ds:datastoreItem>
+<file path=customXml/item2.xml><?xml version="1.0" encoding="utf-8"?>
+<?mso-contentType ?>
+<FormTemplates xmlns="http://schemas.microsoft.com/sharepoint/v3/contenttype/forms">
+  <Display>DocumentLibraryForm</Display>
+  <Edit>DocumentLibraryForm</Edit>
+  <New>DocumentLibraryForm</New>
+</FormTemplates>
 </file>
 
-<file path=customXml/itemProps2.xml><?xml version="1.0" encoding="utf-8"?>
-<ds:datastoreItem xmlns:ds="http://schemas.openxmlformats.org/officeDocument/2006/customXml" ds:itemID="{294F055B-D391-44D3-A87A-BCD07BD5A31C}">
-  <ds:schemaRefs>
-    <ds:schemaRef ds:uri="http://schemas.microsoft.com/sharepoint/v3/contenttype/forms"/>
-  </ds:schemaRefs>
-</ds:datastoreItem>
+<file path=customXml/item3.xml><?xml version="1.0" encoding="utf-8"?>
+<p:properties xmlns:p="http://schemas.microsoft.com/office/2006/metadata/properties" xmlns:xsi="http://www.w3.org/2001/XMLSchema-instance" xmlns:pc="http://schemas.microsoft.com/office/infopath/2007/PartnerControls">
+  <documentManagement>
+    <Status xmlns="71af3243-3dd4-4a8d-8c0d-dd76da1f02a5">Not started</Status>
+    <MediaServiceKeyPoints xmlns="71af3243-3dd4-4a8d-8c0d-dd76da1f02a5" xsi:nil="true"/>
+  </documentManagement>
+</p:properties>
 </file>
 
-<file path=customXml/itemProps3.xml><?xml version="1.0" encoding="utf-8"?>
+<file path=customXml/itemProps1.xml><?xml version="1.0" encoding="utf-8"?>
 <ds:datastoreItem xmlns:ds="http://schemas.openxmlformats.org/officeDocument/2006/customXml" ds:itemID="{26DBD101-FC0A-4B21-82B0-57CAA7AEEC71}">
   <ds:schemaRefs>
     <ds:schemaRef ds:uri="http://schemas.microsoft.com/office/2006/metadata/contentType"/>
@@ -6245,4 +6191,22 @@
     <ds:schemaRef ds:uri="http://schemas.microsoft.com/internal/obd"/>
   </ds:schemaRefs>
 </ds:datastoreItem>
+</file>
+
+<file path=customXml/itemProps2.xml><?xml version="1.0" encoding="utf-8"?>
+<ds:datastoreItem xmlns:ds="http://schemas.openxmlformats.org/officeDocument/2006/customXml" ds:itemID="{294F055B-D391-44D3-A87A-BCD07BD5A31C}">
+  <ds:schemaRefs>
+    <ds:schemaRef ds:uri="http://schemas.microsoft.com/sharepoint/v3/contenttype/forms"/>
+  </ds:schemaRefs>
+</ds:datastoreItem>
+</file>
+
+<file path=customXml/itemProps3.xml><?xml version="1.0" encoding="utf-8"?>
+<ds:datastoreItem xmlns:ds="http://schemas.openxmlformats.org/officeDocument/2006/customXml" ds:itemID="{B975FBC4-9D33-46BE-911D-419763BA9AF9}">
+  <ds:schemaRefs>
+    <ds:schemaRef ds:uri="http://schemas.microsoft.com/office/2006/metadata/properties"/>
+    <ds:schemaRef ds:uri="http://schemas.microsoft.com/office/infopath/2007/PartnerControls"/>
+    <ds:schemaRef ds:uri="71af3243-3dd4-4a8d-8c0d-dd76da1f02a5"/>
+  </ds:schemaRefs>
+</ds:datastoreItem>
 </file>